--- a/PPT/Design Pattern 2 - Review OOP dan Pemanfaatannya di Design Pattern.pptx
+++ b/PPT/Design Pattern 2 - Review OOP dan Pemanfaatannya di Design Pattern.pptx
@@ -4041,7 +4041,7 @@
         <p:spPr>
           <a:xfrm>
             <a:off x="5553670" y="2084832"/>
-            <a:ext cx="5049672" cy="2308324"/>
+            <a:ext cx="6101518" cy="1938992"/>
           </a:xfrm>
           <a:prstGeom prst="rect">
             <a:avLst/>
@@ -4056,14 +4056,24 @@
           <a:p>
             <a:r>
               <a:rPr lang="id-ID" sz="2400" dirty="0" smtClean="0"/>
-              <a:t>Method fly() ditambahkan di superclass</a:t>
-            </a:r>
-          </a:p>
-          <a:p>
+              <a:t>Method fly() ditambahkan di </a:t>
+            </a:r>
             <a:r>
               <a:rPr lang="id-ID" sz="2400" dirty="0" smtClean="0"/>
-              <a:t>Otomatis subclass juga mendapatkan method yang sama</a:t>
-            </a:r>
+              <a:t>superclass.</a:t>
+            </a:r>
+            <a:endParaRPr lang="id-ID" sz="2400" dirty="0" smtClean="0"/>
+          </a:p>
+          <a:p>
+            <a:r>
+              <a:rPr lang="id-ID" sz="2400" dirty="0" smtClean="0"/>
+              <a:t>Otomatis subclass juga mendapatkan method yang </a:t>
+            </a:r>
+            <a:r>
+              <a:rPr lang="id-ID" sz="2400" dirty="0" smtClean="0"/>
+              <a:t>sama.</a:t>
+            </a:r>
+            <a:endParaRPr lang="id-ID" sz="2400" dirty="0" smtClean="0"/>
           </a:p>
           <a:p>
             <a:endParaRPr lang="id-ID" sz="2400" dirty="0"/>
@@ -4134,8 +4144,8 @@
         </p:nvCxnSpPr>
         <p:spPr>
           <a:xfrm flipV="1">
-            <a:off x="2565779" y="3238994"/>
-            <a:ext cx="2987891" cy="712117"/>
+            <a:off x="2565779" y="3054328"/>
+            <a:ext cx="2987891" cy="896783"/>
           </a:xfrm>
           <a:prstGeom prst="curvedConnector3">
             <a:avLst/>
@@ -4174,9 +4184,214 @@
   <p:timing>
     <p:tnLst>
       <p:par>
-        <p:cTn id="1" dur="indefinite" restart="never" nodeType="tmRoot"/>
+        <p:cTn id="1" dur="indefinite" restart="never" nodeType="tmRoot">
+          <p:childTnLst>
+            <p:seq concurrent="1" nextAc="seek">
+              <p:cTn id="2" dur="indefinite" nodeType="mainSeq">
+                <p:childTnLst>
+                  <p:par>
+                    <p:cTn id="3" fill="hold">
+                      <p:stCondLst>
+                        <p:cond delay="indefinite"/>
+                      </p:stCondLst>
+                      <p:childTnLst>
+                        <p:par>
+                          <p:cTn id="4" fill="hold">
+                            <p:stCondLst>
+                              <p:cond delay="0"/>
+                            </p:stCondLst>
+                            <p:childTnLst>
+                              <p:par>
+                                <p:cTn id="5" presetID="1" presetClass="entr" presetSubtype="0" fill="hold" nodeType="clickEffect">
+                                  <p:stCondLst>
+                                    <p:cond delay="0"/>
+                                  </p:stCondLst>
+                                  <p:childTnLst>
+                                    <p:set>
+                                      <p:cBhvr>
+                                        <p:cTn id="6" dur="1" fill="hold">
+                                          <p:stCondLst>
+                                            <p:cond delay="0"/>
+                                          </p:stCondLst>
+                                        </p:cTn>
+                                        <p:tgtEl>
+                                          <p:spTgt spid="6"/>
+                                        </p:tgtEl>
+                                        <p:attrNameLst>
+                                          <p:attrName>style.visibility</p:attrName>
+                                        </p:attrNameLst>
+                                      </p:cBhvr>
+                                      <p:to>
+                                        <p:strVal val="visible"/>
+                                      </p:to>
+                                    </p:set>
+                                  </p:childTnLst>
+                                </p:cTn>
+                              </p:par>
+                            </p:childTnLst>
+                          </p:cTn>
+                        </p:par>
+                      </p:childTnLst>
+                    </p:cTn>
+                  </p:par>
+                  <p:par>
+                    <p:cTn id="7" fill="hold">
+                      <p:stCondLst>
+                        <p:cond delay="indefinite"/>
+                      </p:stCondLst>
+                      <p:childTnLst>
+                        <p:par>
+                          <p:cTn id="8" fill="hold">
+                            <p:stCondLst>
+                              <p:cond delay="0"/>
+                            </p:stCondLst>
+                            <p:childTnLst>
+                              <p:par>
+                                <p:cTn id="9" presetID="21" presetClass="entr" presetSubtype="1" fill="hold" grpId="0" nodeType="clickEffect">
+                                  <p:stCondLst>
+                                    <p:cond delay="0"/>
+                                  </p:stCondLst>
+                                  <p:childTnLst>
+                                    <p:set>
+                                      <p:cBhvr>
+                                        <p:cTn id="10" dur="1" fill="hold">
+                                          <p:stCondLst>
+                                            <p:cond delay="0"/>
+                                          </p:stCondLst>
+                                        </p:cTn>
+                                        <p:tgtEl>
+                                          <p:spTgt spid="8"/>
+                                        </p:tgtEl>
+                                        <p:attrNameLst>
+                                          <p:attrName>style.visibility</p:attrName>
+                                        </p:attrNameLst>
+                                      </p:cBhvr>
+                                      <p:to>
+                                        <p:strVal val="visible"/>
+                                      </p:to>
+                                    </p:set>
+                                    <p:animEffect transition="in" filter="wheel(1)">
+                                      <p:cBhvr>
+                                        <p:cTn id="11" dur="500"/>
+                                        <p:tgtEl>
+                                          <p:spTgt spid="8"/>
+                                        </p:tgtEl>
+                                      </p:cBhvr>
+                                    </p:animEffect>
+                                  </p:childTnLst>
+                                </p:cTn>
+                              </p:par>
+                            </p:childTnLst>
+                          </p:cTn>
+                        </p:par>
+                        <p:par>
+                          <p:cTn id="12" fill="hold">
+                            <p:stCondLst>
+                              <p:cond delay="500"/>
+                            </p:stCondLst>
+                            <p:childTnLst>
+                              <p:par>
+                                <p:cTn id="13" presetID="22" presetClass="entr" presetSubtype="4" fill="hold" nodeType="afterEffect">
+                                  <p:stCondLst>
+                                    <p:cond delay="0"/>
+                                  </p:stCondLst>
+                                  <p:childTnLst>
+                                    <p:set>
+                                      <p:cBhvr>
+                                        <p:cTn id="14" dur="1" fill="hold">
+                                          <p:stCondLst>
+                                            <p:cond delay="0"/>
+                                          </p:stCondLst>
+                                        </p:cTn>
+                                        <p:tgtEl>
+                                          <p:spTgt spid="10"/>
+                                        </p:tgtEl>
+                                        <p:attrNameLst>
+                                          <p:attrName>style.visibility</p:attrName>
+                                        </p:attrNameLst>
+                                      </p:cBhvr>
+                                      <p:to>
+                                        <p:strVal val="visible"/>
+                                      </p:to>
+                                    </p:set>
+                                    <p:animEffect transition="in" filter="wipe(down)">
+                                      <p:cBhvr>
+                                        <p:cTn id="15" dur="500"/>
+                                        <p:tgtEl>
+                                          <p:spTgt spid="10"/>
+                                        </p:tgtEl>
+                                      </p:cBhvr>
+                                    </p:animEffect>
+                                  </p:childTnLst>
+                                </p:cTn>
+                              </p:par>
+                            </p:childTnLst>
+                          </p:cTn>
+                        </p:par>
+                        <p:par>
+                          <p:cTn id="16" fill="hold">
+                            <p:stCondLst>
+                              <p:cond delay="1000"/>
+                            </p:stCondLst>
+                            <p:childTnLst>
+                              <p:par>
+                                <p:cTn id="17" presetID="1" presetClass="entr" presetSubtype="0" fill="hold" grpId="0" nodeType="afterEffect">
+                                  <p:stCondLst>
+                                    <p:cond delay="0"/>
+                                  </p:stCondLst>
+                                  <p:childTnLst>
+                                    <p:set>
+                                      <p:cBhvr>
+                                        <p:cTn id="18" dur="1" fill="hold">
+                                          <p:stCondLst>
+                                            <p:cond delay="0"/>
+                                          </p:stCondLst>
+                                        </p:cTn>
+                                        <p:tgtEl>
+                                          <p:spTgt spid="7"/>
+                                        </p:tgtEl>
+                                        <p:attrNameLst>
+                                          <p:attrName>style.visibility</p:attrName>
+                                        </p:attrNameLst>
+                                      </p:cBhvr>
+                                      <p:to>
+                                        <p:strVal val="visible"/>
+                                      </p:to>
+                                    </p:set>
+                                  </p:childTnLst>
+                                </p:cTn>
+                              </p:par>
+                            </p:childTnLst>
+                          </p:cTn>
+                        </p:par>
+                      </p:childTnLst>
+                    </p:cTn>
+                  </p:par>
+                </p:childTnLst>
+              </p:cTn>
+              <p:prevCondLst>
+                <p:cond evt="onPrev" delay="0">
+                  <p:tgtEl>
+                    <p:sldTgt/>
+                  </p:tgtEl>
+                </p:cond>
+              </p:prevCondLst>
+              <p:nextCondLst>
+                <p:cond evt="onNext" delay="0">
+                  <p:tgtEl>
+                    <p:sldTgt/>
+                  </p:tgtEl>
+                </p:cond>
+              </p:nextCondLst>
+            </p:seq>
+          </p:childTnLst>
+        </p:cTn>
       </p:par>
     </p:tnLst>
+    <p:bldLst>
+      <p:bldP spid="7" grpId="0"/>
+      <p:bldP spid="8" grpId="0" animBg="1"/>
+    </p:bldLst>
   </p:timing>
 </p:sld>
 </file>
@@ -4418,8 +4633,8 @@
         </p:nvSpPr>
         <p:spPr>
           <a:xfrm>
-            <a:off x="8705307" y="5294170"/>
-            <a:ext cx="3322570" cy="923330"/>
+            <a:off x="7997588" y="5430650"/>
+            <a:ext cx="4030289" cy="646331"/>
           </a:xfrm>
           <a:prstGeom prst="rect">
             <a:avLst/>
@@ -4496,9 +4711,9 @@
           <p:nvPr/>
         </p:nvCxnSpPr>
         <p:spPr>
-          <a:xfrm>
-            <a:off x="6372665" y="5755835"/>
-            <a:ext cx="2332642" cy="12700"/>
+          <a:xfrm flipV="1">
+            <a:off x="6372665" y="5753816"/>
+            <a:ext cx="1624923" cy="2019"/>
           </a:xfrm>
           <a:prstGeom prst="curvedConnector3">
             <a:avLst>
@@ -4539,9 +4754,281 @@
   <p:timing>
     <p:tnLst>
       <p:par>
-        <p:cTn id="1" dur="indefinite" restart="never" nodeType="tmRoot"/>
+        <p:cTn id="1" dur="indefinite" restart="never" nodeType="tmRoot">
+          <p:childTnLst>
+            <p:seq concurrent="1" nextAc="seek">
+              <p:cTn id="2" dur="indefinite" nodeType="mainSeq">
+                <p:childTnLst>
+                  <p:par>
+                    <p:cTn id="3" fill="hold">
+                      <p:stCondLst>
+                        <p:cond delay="indefinite"/>
+                      </p:stCondLst>
+                      <p:childTnLst>
+                        <p:par>
+                          <p:cTn id="4" fill="hold">
+                            <p:stCondLst>
+                              <p:cond delay="0"/>
+                            </p:stCondLst>
+                            <p:childTnLst>
+                              <p:par>
+                                <p:cTn id="5" presetID="1" presetClass="entr" presetSubtype="0" fill="hold" nodeType="clickEffect">
+                                  <p:stCondLst>
+                                    <p:cond delay="0"/>
+                                  </p:stCondLst>
+                                  <p:childTnLst>
+                                    <p:set>
+                                      <p:cBhvr>
+                                        <p:cTn id="6" dur="1" fill="hold">
+                                          <p:stCondLst>
+                                            <p:cond delay="0"/>
+                                          </p:stCondLst>
+                                        </p:cTn>
+                                        <p:tgtEl>
+                                          <p:spTgt spid="6"/>
+                                        </p:tgtEl>
+                                        <p:attrNameLst>
+                                          <p:attrName>style.visibility</p:attrName>
+                                        </p:attrNameLst>
+                                      </p:cBhvr>
+                                      <p:to>
+                                        <p:strVal val="visible"/>
+                                      </p:to>
+                                    </p:set>
+                                  </p:childTnLst>
+                                </p:cTn>
+                              </p:par>
+                            </p:childTnLst>
+                          </p:cTn>
+                        </p:par>
+                      </p:childTnLst>
+                    </p:cTn>
+                  </p:par>
+                  <p:par>
+                    <p:cTn id="7" fill="hold">
+                      <p:stCondLst>
+                        <p:cond delay="indefinite"/>
+                      </p:stCondLst>
+                      <p:childTnLst>
+                        <p:par>
+                          <p:cTn id="8" fill="hold">
+                            <p:stCondLst>
+                              <p:cond delay="0"/>
+                            </p:stCondLst>
+                            <p:childTnLst>
+                              <p:par>
+                                <p:cTn id="9" presetID="1" presetClass="entr" presetSubtype="0" fill="hold" grpId="0" nodeType="clickEffect">
+                                  <p:stCondLst>
+                                    <p:cond delay="0"/>
+                                  </p:stCondLst>
+                                  <p:childTnLst>
+                                    <p:set>
+                                      <p:cBhvr>
+                                        <p:cTn id="10" dur="1" fill="hold">
+                                          <p:stCondLst>
+                                            <p:cond delay="0"/>
+                                          </p:stCondLst>
+                                        </p:cTn>
+                                        <p:tgtEl>
+                                          <p:spTgt spid="8"/>
+                                        </p:tgtEl>
+                                        <p:attrNameLst>
+                                          <p:attrName>style.visibility</p:attrName>
+                                        </p:attrNameLst>
+                                      </p:cBhvr>
+                                      <p:to>
+                                        <p:strVal val="visible"/>
+                                      </p:to>
+                                    </p:set>
+                                  </p:childTnLst>
+                                </p:cTn>
+                              </p:par>
+                              <p:par>
+                                <p:cTn id="11" presetID="1" presetClass="entr" presetSubtype="0" fill="hold" nodeType="withEffect">
+                                  <p:stCondLst>
+                                    <p:cond delay="0"/>
+                                  </p:stCondLst>
+                                  <p:childTnLst>
+                                    <p:set>
+                                      <p:cBhvr>
+                                        <p:cTn id="12" dur="1" fill="hold">
+                                          <p:stCondLst>
+                                            <p:cond delay="0"/>
+                                          </p:stCondLst>
+                                        </p:cTn>
+                                        <p:tgtEl>
+                                          <p:spTgt spid="10"/>
+                                        </p:tgtEl>
+                                        <p:attrNameLst>
+                                          <p:attrName>style.visibility</p:attrName>
+                                        </p:attrNameLst>
+                                      </p:cBhvr>
+                                      <p:to>
+                                        <p:strVal val="visible"/>
+                                      </p:to>
+                                    </p:set>
+                                  </p:childTnLst>
+                                </p:cTn>
+                              </p:par>
+                              <p:par>
+                                <p:cTn id="13" presetID="1" presetClass="entr" presetSubtype="0" fill="hold" grpId="0" nodeType="withEffect">
+                                  <p:stCondLst>
+                                    <p:cond delay="0"/>
+                                  </p:stCondLst>
+                                  <p:childTnLst>
+                                    <p:set>
+                                      <p:cBhvr>
+                                        <p:cTn id="14" dur="1" fill="hold">
+                                          <p:stCondLst>
+                                            <p:cond delay="0"/>
+                                          </p:stCondLst>
+                                        </p:cTn>
+                                        <p:tgtEl>
+                                          <p:spTgt spid="7"/>
+                                        </p:tgtEl>
+                                        <p:attrNameLst>
+                                          <p:attrName>style.visibility</p:attrName>
+                                        </p:attrNameLst>
+                                      </p:cBhvr>
+                                      <p:to>
+                                        <p:strVal val="visible"/>
+                                      </p:to>
+                                    </p:set>
+                                  </p:childTnLst>
+                                </p:cTn>
+                              </p:par>
+                            </p:childTnLst>
+                          </p:cTn>
+                        </p:par>
+                      </p:childTnLst>
+                    </p:cTn>
+                  </p:par>
+                  <p:par>
+                    <p:cTn id="15" fill="hold">
+                      <p:stCondLst>
+                        <p:cond delay="indefinite"/>
+                      </p:stCondLst>
+                      <p:childTnLst>
+                        <p:par>
+                          <p:cTn id="16" fill="hold">
+                            <p:stCondLst>
+                              <p:cond delay="0"/>
+                            </p:stCondLst>
+                            <p:childTnLst>
+                              <p:par>
+                                <p:cTn id="17" presetID="1" presetClass="entr" presetSubtype="0" fill="hold" grpId="0" nodeType="clickEffect">
+                                  <p:stCondLst>
+                                    <p:cond delay="0"/>
+                                  </p:stCondLst>
+                                  <p:childTnLst>
+                                    <p:set>
+                                      <p:cBhvr>
+                                        <p:cTn id="18" dur="1" fill="hold">
+                                          <p:stCondLst>
+                                            <p:cond delay="0"/>
+                                          </p:stCondLst>
+                                        </p:cTn>
+                                        <p:tgtEl>
+                                          <p:spTgt spid="15"/>
+                                        </p:tgtEl>
+                                        <p:attrNameLst>
+                                          <p:attrName>style.visibility</p:attrName>
+                                        </p:attrNameLst>
+                                      </p:cBhvr>
+                                      <p:to>
+                                        <p:strVal val="visible"/>
+                                      </p:to>
+                                    </p:set>
+                                  </p:childTnLst>
+                                </p:cTn>
+                              </p:par>
+                              <p:par>
+                                <p:cTn id="19" presetID="1" presetClass="entr" presetSubtype="0" fill="hold" nodeType="withEffect">
+                                  <p:stCondLst>
+                                    <p:cond delay="0"/>
+                                  </p:stCondLst>
+                                  <p:childTnLst>
+                                    <p:set>
+                                      <p:cBhvr>
+                                        <p:cTn id="20" dur="1" fill="hold">
+                                          <p:stCondLst>
+                                            <p:cond delay="0"/>
+                                          </p:stCondLst>
+                                        </p:cTn>
+                                        <p:tgtEl>
+                                          <p:spTgt spid="17"/>
+                                        </p:tgtEl>
+                                        <p:attrNameLst>
+                                          <p:attrName>style.visibility</p:attrName>
+                                        </p:attrNameLst>
+                                      </p:cBhvr>
+                                      <p:to>
+                                        <p:strVal val="visible"/>
+                                      </p:to>
+                                    </p:set>
+                                  </p:childTnLst>
+                                </p:cTn>
+                              </p:par>
+                              <p:par>
+                                <p:cTn id="21" presetID="1" presetClass="entr" presetSubtype="0" fill="hold" grpId="0" nodeType="withEffect">
+                                  <p:stCondLst>
+                                    <p:cond delay="0"/>
+                                  </p:stCondLst>
+                                  <p:childTnLst>
+                                    <p:set>
+                                      <p:cBhvr>
+                                        <p:cTn id="22" dur="1" fill="hold">
+                                          <p:stCondLst>
+                                            <p:cond delay="0"/>
+                                          </p:stCondLst>
+                                        </p:cTn>
+                                        <p:tgtEl>
+                                          <p:spTgt spid="14"/>
+                                        </p:tgtEl>
+                                        <p:attrNameLst>
+                                          <p:attrName>style.visibility</p:attrName>
+                                        </p:attrNameLst>
+                                      </p:cBhvr>
+                                      <p:to>
+                                        <p:strVal val="visible"/>
+                                      </p:to>
+                                    </p:set>
+                                  </p:childTnLst>
+                                </p:cTn>
+                              </p:par>
+                            </p:childTnLst>
+                          </p:cTn>
+                        </p:par>
+                      </p:childTnLst>
+                    </p:cTn>
+                  </p:par>
+                </p:childTnLst>
+              </p:cTn>
+              <p:prevCondLst>
+                <p:cond evt="onPrev" delay="0">
+                  <p:tgtEl>
+                    <p:sldTgt/>
+                  </p:tgtEl>
+                </p:cond>
+              </p:prevCondLst>
+              <p:nextCondLst>
+                <p:cond evt="onNext" delay="0">
+                  <p:tgtEl>
+                    <p:sldTgt/>
+                  </p:tgtEl>
+                </p:cond>
+              </p:nextCondLst>
+            </p:seq>
+          </p:childTnLst>
+        </p:cTn>
       </p:par>
     </p:tnLst>
+    <p:bldLst>
+      <p:bldP spid="7" grpId="0"/>
+      <p:bldP spid="8" grpId="0" animBg="1"/>
+      <p:bldP spid="14" grpId="0"/>
+      <p:bldP spid="15" grpId="0" animBg="1"/>
+    </p:bldLst>
   </p:timing>
 </p:sld>
 </file>
@@ -4787,9 +5274,135 @@
   <p:timing>
     <p:tnLst>
       <p:par>
-        <p:cTn id="1" dur="indefinite" restart="never" nodeType="tmRoot"/>
+        <p:cTn id="1" dur="indefinite" restart="never" nodeType="tmRoot">
+          <p:childTnLst>
+            <p:seq concurrent="1" nextAc="seek">
+              <p:cTn id="2" dur="indefinite" nodeType="mainSeq">
+                <p:childTnLst>
+                  <p:par>
+                    <p:cTn id="3" fill="hold">
+                      <p:stCondLst>
+                        <p:cond delay="indefinite"/>
+                      </p:stCondLst>
+                      <p:childTnLst>
+                        <p:par>
+                          <p:cTn id="4" fill="hold">
+                            <p:stCondLst>
+                              <p:cond delay="0"/>
+                            </p:stCondLst>
+                            <p:childTnLst>
+                              <p:par>
+                                <p:cTn id="5" presetID="1" presetClass="entr" presetSubtype="0" fill="hold" grpId="0" nodeType="clickEffect">
+                                  <p:stCondLst>
+                                    <p:cond delay="0"/>
+                                  </p:stCondLst>
+                                  <p:childTnLst>
+                                    <p:set>
+                                      <p:cBhvr>
+                                        <p:cTn id="6" dur="1" fill="hold">
+                                          <p:stCondLst>
+                                            <p:cond delay="0"/>
+                                          </p:stCondLst>
+                                        </p:cTn>
+                                        <p:tgtEl>
+                                          <p:spTgt spid="10"/>
+                                        </p:tgtEl>
+                                        <p:attrNameLst>
+                                          <p:attrName>style.visibility</p:attrName>
+                                        </p:attrNameLst>
+                                      </p:cBhvr>
+                                      <p:to>
+                                        <p:strVal val="visible"/>
+                                      </p:to>
+                                    </p:set>
+                                  </p:childTnLst>
+                                </p:cTn>
+                              </p:par>
+                              <p:par>
+                                <p:cTn id="7" presetID="1" presetClass="entr" presetSubtype="0" fill="hold" nodeType="withEffect">
+                                  <p:stCondLst>
+                                    <p:cond delay="0"/>
+                                  </p:stCondLst>
+                                  <p:childTnLst>
+                                    <p:set>
+                                      <p:cBhvr>
+                                        <p:cTn id="8" dur="1" fill="hold">
+                                          <p:stCondLst>
+                                            <p:cond delay="0"/>
+                                          </p:stCondLst>
+                                        </p:cTn>
+                                        <p:tgtEl>
+                                          <p:spTgt spid="13"/>
+                                        </p:tgtEl>
+                                        <p:attrNameLst>
+                                          <p:attrName>style.visibility</p:attrName>
+                                        </p:attrNameLst>
+                                      </p:cBhvr>
+                                      <p:to>
+                                        <p:strVal val="visible"/>
+                                      </p:to>
+                                    </p:set>
+                                  </p:childTnLst>
+                                </p:cTn>
+                              </p:par>
+                              <p:par>
+                                <p:cTn id="9" presetID="1" presetClass="entr" presetSubtype="0" fill="hold" grpId="0" nodeType="withEffect">
+                                  <p:stCondLst>
+                                    <p:cond delay="0"/>
+                                  </p:stCondLst>
+                                  <p:childTnLst>
+                                    <p:set>
+                                      <p:cBhvr>
+                                        <p:cTn id="10" dur="1" fill="hold">
+                                          <p:stCondLst>
+                                            <p:cond delay="0"/>
+                                          </p:stCondLst>
+                                        </p:cTn>
+                                        <p:tgtEl>
+                                          <p:spTgt spid="11"/>
+                                        </p:tgtEl>
+                                        <p:attrNameLst>
+                                          <p:attrName>style.visibility</p:attrName>
+                                        </p:attrNameLst>
+                                      </p:cBhvr>
+                                      <p:to>
+                                        <p:strVal val="visible"/>
+                                      </p:to>
+                                    </p:set>
+                                  </p:childTnLst>
+                                </p:cTn>
+                              </p:par>
+                            </p:childTnLst>
+                          </p:cTn>
+                        </p:par>
+                      </p:childTnLst>
+                    </p:cTn>
+                  </p:par>
+                </p:childTnLst>
+              </p:cTn>
+              <p:prevCondLst>
+                <p:cond evt="onPrev" delay="0">
+                  <p:tgtEl>
+                    <p:sldTgt/>
+                  </p:tgtEl>
+                </p:cond>
+              </p:prevCondLst>
+              <p:nextCondLst>
+                <p:cond evt="onNext" delay="0">
+                  <p:tgtEl>
+                    <p:sldTgt/>
+                  </p:tgtEl>
+                </p:cond>
+              </p:nextCondLst>
+            </p:seq>
+          </p:childTnLst>
+        </p:cTn>
       </p:par>
     </p:tnLst>
+    <p:bldLst>
+      <p:bldP spid="10" grpId="0" animBg="1"/>
+      <p:bldP spid="11" grpId="0"/>
+    </p:bldLst>
   </p:timing>
 </p:sld>
 </file>
@@ -4997,9 +5610,170 @@
   <p:timing>
     <p:tnLst>
       <p:par>
-        <p:cTn id="1" dur="indefinite" restart="never" nodeType="tmRoot"/>
+        <p:cTn id="1" dur="indefinite" restart="never" nodeType="tmRoot">
+          <p:childTnLst>
+            <p:seq concurrent="1" nextAc="seek">
+              <p:cTn id="2" dur="indefinite" nodeType="mainSeq">
+                <p:childTnLst>
+                  <p:par>
+                    <p:cTn id="3" fill="hold">
+                      <p:stCondLst>
+                        <p:cond delay="indefinite"/>
+                      </p:stCondLst>
+                      <p:childTnLst>
+                        <p:par>
+                          <p:cTn id="4" fill="hold">
+                            <p:stCondLst>
+                              <p:cond delay="0"/>
+                            </p:stCondLst>
+                            <p:childTnLst>
+                              <p:par>
+                                <p:cTn id="5" presetID="1" presetClass="entr" presetSubtype="0" fill="hold" nodeType="clickEffect">
+                                  <p:stCondLst>
+                                    <p:cond delay="0"/>
+                                  </p:stCondLst>
+                                  <p:childTnLst>
+                                    <p:set>
+                                      <p:cBhvr>
+                                        <p:cTn id="6" dur="1" fill="hold">
+                                          <p:stCondLst>
+                                            <p:cond delay="0"/>
+                                          </p:stCondLst>
+                                        </p:cTn>
+                                        <p:tgtEl>
+                                          <p:spTgt spid="6"/>
+                                        </p:tgtEl>
+                                        <p:attrNameLst>
+                                          <p:attrName>style.visibility</p:attrName>
+                                        </p:attrNameLst>
+                                      </p:cBhvr>
+                                      <p:to>
+                                        <p:strVal val="visible"/>
+                                      </p:to>
+                                    </p:set>
+                                  </p:childTnLst>
+                                </p:cTn>
+                              </p:par>
+                            </p:childTnLst>
+                          </p:cTn>
+                        </p:par>
+                      </p:childTnLst>
+                    </p:cTn>
+                  </p:par>
+                  <p:par>
+                    <p:cTn id="7" fill="hold">
+                      <p:stCondLst>
+                        <p:cond delay="indefinite"/>
+                      </p:stCondLst>
+                      <p:childTnLst>
+                        <p:par>
+                          <p:cTn id="8" fill="hold">
+                            <p:stCondLst>
+                              <p:cond delay="0"/>
+                            </p:stCondLst>
+                            <p:childTnLst>
+                              <p:par>
+                                <p:cTn id="9" presetID="21" presetClass="entr" presetSubtype="1" fill="hold" grpId="0" nodeType="clickEffect">
+                                  <p:stCondLst>
+                                    <p:cond delay="0"/>
+                                  </p:stCondLst>
+                                  <p:childTnLst>
+                                    <p:set>
+                                      <p:cBhvr>
+                                        <p:cTn id="10" dur="1" fill="hold">
+                                          <p:stCondLst>
+                                            <p:cond delay="0"/>
+                                          </p:stCondLst>
+                                        </p:cTn>
+                                        <p:tgtEl>
+                                          <p:spTgt spid="7"/>
+                                        </p:tgtEl>
+                                        <p:attrNameLst>
+                                          <p:attrName>style.visibility</p:attrName>
+                                        </p:attrNameLst>
+                                      </p:cBhvr>
+                                      <p:to>
+                                        <p:strVal val="visible"/>
+                                      </p:to>
+                                    </p:set>
+                                    <p:animEffect transition="in" filter="wheel(1)">
+                                      <p:cBhvr>
+                                        <p:cTn id="11" dur="750"/>
+                                        <p:tgtEl>
+                                          <p:spTgt spid="7"/>
+                                        </p:tgtEl>
+                                      </p:cBhvr>
+                                    </p:animEffect>
+                                  </p:childTnLst>
+                                </p:cTn>
+                              </p:par>
+                            </p:childTnLst>
+                          </p:cTn>
+                        </p:par>
+                        <p:par>
+                          <p:cTn id="12" fill="hold">
+                            <p:stCondLst>
+                              <p:cond delay="750"/>
+                            </p:stCondLst>
+                            <p:childTnLst>
+                              <p:par>
+                                <p:cTn id="13" presetID="1" presetClass="entr" presetSubtype="0" fill="hold" grpId="0" nodeType="afterEffect">
+                                  <p:stCondLst>
+                                    <p:cond delay="0"/>
+                                  </p:stCondLst>
+                                  <p:childTnLst>
+                                    <p:set>
+                                      <p:cBhvr>
+                                        <p:cTn id="14" dur="1" fill="hold">
+                                          <p:stCondLst>
+                                            <p:cond delay="0"/>
+                                          </p:stCondLst>
+                                        </p:cTn>
+                                        <p:tgtEl>
+                                          <p:spTgt spid="8"/>
+                                        </p:tgtEl>
+                                        <p:attrNameLst>
+                                          <p:attrName>style.visibility</p:attrName>
+                                        </p:attrNameLst>
+                                      </p:cBhvr>
+                                      <p:to>
+                                        <p:strVal val="visible"/>
+                                      </p:to>
+                                    </p:set>
+                                  </p:childTnLst>
+                                </p:cTn>
+                              </p:par>
+                            </p:childTnLst>
+                          </p:cTn>
+                        </p:par>
+                      </p:childTnLst>
+                    </p:cTn>
+                  </p:par>
+                </p:childTnLst>
+              </p:cTn>
+              <p:prevCondLst>
+                <p:cond evt="onPrev" delay="0">
+                  <p:tgtEl>
+                    <p:sldTgt/>
+                  </p:tgtEl>
+                </p:cond>
+              </p:prevCondLst>
+              <p:nextCondLst>
+                <p:cond evt="onNext" delay="0">
+                  <p:tgtEl>
+                    <p:sldTgt/>
+                  </p:tgtEl>
+                </p:cond>
+              </p:nextCondLst>
+            </p:seq>
+          </p:childTnLst>
+        </p:cTn>
       </p:par>
     </p:tnLst>
+    <p:bldLst>
+      <p:bldP spid="7" grpId="0" animBg="1"/>
+      <p:bldP spid="8" grpId="0"/>
+    </p:bldLst>
   </p:timing>
 </p:sld>
 </file>
@@ -5208,9 +5982,178 @@
   <p:timing>
     <p:tnLst>
       <p:par>
-        <p:cTn id="1" dur="indefinite" restart="never" nodeType="tmRoot"/>
+        <p:cTn id="1" dur="indefinite" restart="never" nodeType="tmRoot">
+          <p:childTnLst>
+            <p:seq concurrent="1" nextAc="seek">
+              <p:cTn id="2" dur="indefinite" nodeType="mainSeq">
+                <p:childTnLst>
+                  <p:par>
+                    <p:cTn id="3" fill="hold">
+                      <p:stCondLst>
+                        <p:cond delay="indefinite"/>
+                      </p:stCondLst>
+                      <p:childTnLst>
+                        <p:par>
+                          <p:cTn id="4" fill="hold">
+                            <p:stCondLst>
+                              <p:cond delay="0"/>
+                            </p:stCondLst>
+                            <p:childTnLst>
+                              <p:par>
+                                <p:cTn id="5" presetID="14" presetClass="entr" presetSubtype="10" fill="hold" nodeType="clickEffect">
+                                  <p:stCondLst>
+                                    <p:cond delay="0"/>
+                                  </p:stCondLst>
+                                  <p:childTnLst>
+                                    <p:set>
+                                      <p:cBhvr>
+                                        <p:cTn id="6" dur="1" fill="hold">
+                                          <p:stCondLst>
+                                            <p:cond delay="0"/>
+                                          </p:stCondLst>
+                                        </p:cTn>
+                                        <p:tgtEl>
+                                          <p:spTgt spid="6"/>
+                                        </p:tgtEl>
+                                        <p:attrNameLst>
+                                          <p:attrName>style.visibility</p:attrName>
+                                        </p:attrNameLst>
+                                      </p:cBhvr>
+                                      <p:to>
+                                        <p:strVal val="visible"/>
+                                      </p:to>
+                                    </p:set>
+                                    <p:animEffect transition="in" filter="randombar(horizontal)">
+                                      <p:cBhvr>
+                                        <p:cTn id="7" dur="500"/>
+                                        <p:tgtEl>
+                                          <p:spTgt spid="6"/>
+                                        </p:tgtEl>
+                                      </p:cBhvr>
+                                    </p:animEffect>
+                                  </p:childTnLst>
+                                </p:cTn>
+                              </p:par>
+                            </p:childTnLst>
+                          </p:cTn>
+                        </p:par>
+                      </p:childTnLst>
+                    </p:cTn>
+                  </p:par>
+                  <p:par>
+                    <p:cTn id="8" fill="hold">
+                      <p:stCondLst>
+                        <p:cond delay="indefinite"/>
+                      </p:stCondLst>
+                      <p:childTnLst>
+                        <p:par>
+                          <p:cTn id="9" fill="hold">
+                            <p:stCondLst>
+                              <p:cond delay="0"/>
+                            </p:stCondLst>
+                            <p:childTnLst>
+                              <p:par>
+                                <p:cTn id="10" presetID="21" presetClass="entr" presetSubtype="1" fill="hold" grpId="0" nodeType="clickEffect">
+                                  <p:stCondLst>
+                                    <p:cond delay="0"/>
+                                  </p:stCondLst>
+                                  <p:childTnLst>
+                                    <p:set>
+                                      <p:cBhvr>
+                                        <p:cTn id="11" dur="1" fill="hold">
+                                          <p:stCondLst>
+                                            <p:cond delay="0"/>
+                                          </p:stCondLst>
+                                        </p:cTn>
+                                        <p:tgtEl>
+                                          <p:spTgt spid="7"/>
+                                        </p:tgtEl>
+                                        <p:attrNameLst>
+                                          <p:attrName>style.visibility</p:attrName>
+                                        </p:attrNameLst>
+                                      </p:cBhvr>
+                                      <p:to>
+                                        <p:strVal val="visible"/>
+                                      </p:to>
+                                    </p:set>
+                                    <p:animEffect transition="in" filter="wheel(1)">
+                                      <p:cBhvr>
+                                        <p:cTn id="12" dur="500"/>
+                                        <p:tgtEl>
+                                          <p:spTgt spid="7"/>
+                                        </p:tgtEl>
+                                      </p:cBhvr>
+                                    </p:animEffect>
+                                  </p:childTnLst>
+                                </p:cTn>
+                              </p:par>
+                            </p:childTnLst>
+                          </p:cTn>
+                        </p:par>
+                        <p:par>
+                          <p:cTn id="13" fill="hold">
+                            <p:stCondLst>
+                              <p:cond delay="500"/>
+                            </p:stCondLst>
+                            <p:childTnLst>
+                              <p:par>
+                                <p:cTn id="14" presetID="1" presetClass="entr" presetSubtype="0" fill="hold" grpId="0" nodeType="afterEffect">
+                                  <p:stCondLst>
+                                    <p:cond delay="0"/>
+                                  </p:stCondLst>
+                                  <p:childTnLst>
+                                    <p:set>
+                                      <p:cBhvr>
+                                        <p:cTn id="15" dur="1" fill="hold">
+                                          <p:stCondLst>
+                                            <p:cond delay="0"/>
+                                          </p:stCondLst>
+                                        </p:cTn>
+                                        <p:tgtEl>
+                                          <p:spTgt spid="8"/>
+                                        </p:tgtEl>
+                                        <p:attrNameLst>
+                                          <p:attrName>style.visibility</p:attrName>
+                                        </p:attrNameLst>
+                                      </p:cBhvr>
+                                      <p:to>
+                                        <p:strVal val="visible"/>
+                                      </p:to>
+                                    </p:set>
+                                  </p:childTnLst>
+                                </p:cTn>
+                              </p:par>
+                            </p:childTnLst>
+                          </p:cTn>
+                        </p:par>
+                      </p:childTnLst>
+                    </p:cTn>
+                  </p:par>
+                </p:childTnLst>
+              </p:cTn>
+              <p:prevCondLst>
+                <p:cond evt="onPrev" delay="0">
+                  <p:tgtEl>
+                    <p:sldTgt/>
+                  </p:tgtEl>
+                </p:cond>
+              </p:prevCondLst>
+              <p:nextCondLst>
+                <p:cond evt="onNext" delay="0">
+                  <p:tgtEl>
+                    <p:sldTgt/>
+                  </p:tgtEl>
+                </p:cond>
+              </p:nextCondLst>
+            </p:seq>
+          </p:childTnLst>
+        </p:cTn>
       </p:par>
     </p:tnLst>
+    <p:bldLst>
+      <p:bldP spid="7" grpId="0" animBg="1"/>
+      <p:bldP spid="8" grpId="0"/>
+    </p:bldLst>
   </p:timing>
 </p:sld>
 </file>
@@ -5368,7 +6311,177 @@
   <p:timing>
     <p:tnLst>
       <p:par>
-        <p:cTn id="1" dur="indefinite" restart="never" nodeType="tmRoot"/>
+        <p:cTn id="1" dur="indefinite" restart="never" nodeType="tmRoot">
+          <p:childTnLst>
+            <p:seq concurrent="1" nextAc="seek">
+              <p:cTn id="2" dur="indefinite" nodeType="mainSeq">
+                <p:childTnLst>
+                  <p:par>
+                    <p:cTn id="3" fill="hold">
+                      <p:stCondLst>
+                        <p:cond delay="indefinite"/>
+                      </p:stCondLst>
+                      <p:childTnLst>
+                        <p:par>
+                          <p:cTn id="4" fill="hold">
+                            <p:stCondLst>
+                              <p:cond delay="0"/>
+                            </p:stCondLst>
+                            <p:childTnLst>
+                              <p:par>
+                                <p:cTn id="5" presetID="1" presetClass="entr" presetSubtype="0" fill="hold" nodeType="clickEffect">
+                                  <p:stCondLst>
+                                    <p:cond delay="0"/>
+                                  </p:stCondLst>
+                                  <p:childTnLst>
+                                    <p:set>
+                                      <p:cBhvr>
+                                        <p:cTn id="6" dur="1" fill="hold">
+                                          <p:stCondLst>
+                                            <p:cond delay="0"/>
+                                          </p:stCondLst>
+                                        </p:cTn>
+                                        <p:tgtEl>
+                                          <p:spTgt spid="3">
+                                            <p:txEl>
+                                              <p:pRg st="0" end="0"/>
+                                            </p:txEl>
+                                          </p:spTgt>
+                                        </p:tgtEl>
+                                        <p:attrNameLst>
+                                          <p:attrName>style.visibility</p:attrName>
+                                        </p:attrNameLst>
+                                      </p:cBhvr>
+                                      <p:to>
+                                        <p:strVal val="visible"/>
+                                      </p:to>
+                                    </p:set>
+                                  </p:childTnLst>
+                                </p:cTn>
+                              </p:par>
+                            </p:childTnLst>
+                          </p:cTn>
+                        </p:par>
+                      </p:childTnLst>
+                    </p:cTn>
+                  </p:par>
+                  <p:par>
+                    <p:cTn id="7" fill="hold">
+                      <p:stCondLst>
+                        <p:cond delay="indefinite"/>
+                      </p:stCondLst>
+                      <p:childTnLst>
+                        <p:par>
+                          <p:cTn id="8" fill="hold">
+                            <p:stCondLst>
+                              <p:cond delay="0"/>
+                            </p:stCondLst>
+                            <p:childTnLst>
+                              <p:par>
+                                <p:cTn id="9" presetID="1" presetClass="entr" presetSubtype="0" fill="hold" nodeType="clickEffect">
+                                  <p:stCondLst>
+                                    <p:cond delay="0"/>
+                                  </p:stCondLst>
+                                  <p:childTnLst>
+                                    <p:set>
+                                      <p:cBhvr>
+                                        <p:cTn id="10" dur="1" fill="hold">
+                                          <p:stCondLst>
+                                            <p:cond delay="0"/>
+                                          </p:stCondLst>
+                                        </p:cTn>
+                                        <p:tgtEl>
+                                          <p:spTgt spid="3">
+                                            <p:txEl>
+                                              <p:pRg st="1" end="1"/>
+                                            </p:txEl>
+                                          </p:spTgt>
+                                        </p:tgtEl>
+                                        <p:attrNameLst>
+                                          <p:attrName>style.visibility</p:attrName>
+                                        </p:attrNameLst>
+                                      </p:cBhvr>
+                                      <p:to>
+                                        <p:strVal val="visible"/>
+                                      </p:to>
+                                    </p:set>
+                                  </p:childTnLst>
+                                </p:cTn>
+                              </p:par>
+                            </p:childTnLst>
+                          </p:cTn>
+                        </p:par>
+                      </p:childTnLst>
+                    </p:cTn>
+                  </p:par>
+                  <p:par>
+                    <p:cTn id="11" fill="hold">
+                      <p:stCondLst>
+                        <p:cond delay="indefinite"/>
+                      </p:stCondLst>
+                      <p:childTnLst>
+                        <p:par>
+                          <p:cTn id="12" fill="hold">
+                            <p:stCondLst>
+                              <p:cond delay="0"/>
+                            </p:stCondLst>
+                            <p:childTnLst>
+                              <p:par>
+                                <p:cTn id="13" presetID="1" presetClass="entr" presetSubtype="0" fill="hold" nodeType="clickEffect">
+                                  <p:stCondLst>
+                                    <p:cond delay="0"/>
+                                  </p:stCondLst>
+                                  <p:childTnLst>
+                                    <p:set>
+                                      <p:cBhvr>
+                                        <p:cTn id="14" dur="1" fill="hold">
+                                          <p:stCondLst>
+                                            <p:cond delay="0"/>
+                                          </p:stCondLst>
+                                        </p:cTn>
+                                        <p:tgtEl>
+                                          <p:spTgt spid="3">
+                                            <p:txEl>
+                                              <p:pRg st="2" end="2"/>
+                                            </p:txEl>
+                                          </p:spTgt>
+                                        </p:tgtEl>
+                                        <p:attrNameLst>
+                                          <p:attrName>style.visibility</p:attrName>
+                                        </p:attrNameLst>
+                                      </p:cBhvr>
+                                      <p:to>
+                                        <p:strVal val="visible"/>
+                                      </p:to>
+                                    </p:set>
+                                  </p:childTnLst>
+                                </p:cTn>
+                              </p:par>
+                            </p:childTnLst>
+                          </p:cTn>
+                        </p:par>
+                      </p:childTnLst>
+                    </p:cTn>
+                  </p:par>
+                </p:childTnLst>
+              </p:cTn>
+              <p:prevCondLst>
+                <p:cond evt="onPrev" delay="0">
+                  <p:tgtEl>
+                    <p:sldTgt/>
+                  </p:tgtEl>
+                </p:cond>
+              </p:prevCondLst>
+              <p:nextCondLst>
+                <p:cond evt="onNext" delay="0">
+                  <p:tgtEl>
+                    <p:sldTgt/>
+                  </p:tgtEl>
+                </p:cond>
+              </p:nextCondLst>
+            </p:seq>
+          </p:childTnLst>
+        </p:cTn>
       </p:par>
     </p:tnLst>
   </p:timing>
@@ -5502,7 +6615,83 @@
   <p:timing>
     <p:tnLst>
       <p:par>
-        <p:cTn id="1" dur="indefinite" restart="never" nodeType="tmRoot"/>
+        <p:cTn id="1" dur="indefinite" restart="never" nodeType="tmRoot">
+          <p:childTnLst>
+            <p:seq concurrent="1" nextAc="seek">
+              <p:cTn id="2" dur="indefinite" nodeType="mainSeq">
+                <p:childTnLst>
+                  <p:par>
+                    <p:cTn id="3" fill="hold">
+                      <p:stCondLst>
+                        <p:cond delay="indefinite"/>
+                      </p:stCondLst>
+                      <p:childTnLst>
+                        <p:par>
+                          <p:cTn id="4" fill="hold">
+                            <p:stCondLst>
+                              <p:cond delay="0"/>
+                            </p:stCondLst>
+                            <p:childTnLst>
+                              <p:par>
+                                <p:cTn id="5" presetID="14" presetClass="entr" presetSubtype="10" fill="hold" nodeType="clickEffect">
+                                  <p:stCondLst>
+                                    <p:cond delay="0"/>
+                                  </p:stCondLst>
+                                  <p:childTnLst>
+                                    <p:set>
+                                      <p:cBhvr>
+                                        <p:cTn id="6" dur="1" fill="hold">
+                                          <p:stCondLst>
+                                            <p:cond delay="0"/>
+                                          </p:stCondLst>
+                                        </p:cTn>
+                                        <p:tgtEl>
+                                          <p:spTgt spid="6"/>
+                                        </p:tgtEl>
+                                        <p:attrNameLst>
+                                          <p:attrName>style.visibility</p:attrName>
+                                        </p:attrNameLst>
+                                      </p:cBhvr>
+                                      <p:to>
+                                        <p:strVal val="visible"/>
+                                      </p:to>
+                                    </p:set>
+                                    <p:animEffect transition="in" filter="randombar(horizontal)">
+                                      <p:cBhvr>
+                                        <p:cTn id="7" dur="500"/>
+                                        <p:tgtEl>
+                                          <p:spTgt spid="6"/>
+                                        </p:tgtEl>
+                                      </p:cBhvr>
+                                    </p:animEffect>
+                                  </p:childTnLst>
+                                </p:cTn>
+                              </p:par>
+                            </p:childTnLst>
+                          </p:cTn>
+                        </p:par>
+                      </p:childTnLst>
+                    </p:cTn>
+                  </p:par>
+                </p:childTnLst>
+              </p:cTn>
+              <p:prevCondLst>
+                <p:cond evt="onPrev" delay="0">
+                  <p:tgtEl>
+                    <p:sldTgt/>
+                  </p:tgtEl>
+                </p:cond>
+              </p:prevCondLst>
+              <p:nextCondLst>
+                <p:cond evt="onNext" delay="0">
+                  <p:tgtEl>
+                    <p:sldTgt/>
+                  </p:tgtEl>
+                </p:cond>
+              </p:nextCondLst>
+            </p:seq>
+          </p:childTnLst>
+        </p:cTn>
       </p:par>
     </p:tnLst>
   </p:timing>
@@ -5637,7 +6826,75 @@
   <p:timing>
     <p:tnLst>
       <p:par>
-        <p:cTn id="1" dur="indefinite" restart="never" nodeType="tmRoot"/>
+        <p:cTn id="1" dur="indefinite" restart="never" nodeType="tmRoot">
+          <p:childTnLst>
+            <p:seq concurrent="1" nextAc="seek">
+              <p:cTn id="2" dur="indefinite" nodeType="mainSeq">
+                <p:childTnLst>
+                  <p:par>
+                    <p:cTn id="3" fill="hold">
+                      <p:stCondLst>
+                        <p:cond delay="indefinite"/>
+                      </p:stCondLst>
+                      <p:childTnLst>
+                        <p:par>
+                          <p:cTn id="4" fill="hold">
+                            <p:stCondLst>
+                              <p:cond delay="0"/>
+                            </p:stCondLst>
+                            <p:childTnLst>
+                              <p:par>
+                                <p:cTn id="5" presetID="1" presetClass="entr" presetSubtype="0" fill="hold" nodeType="clickEffect">
+                                  <p:stCondLst>
+                                    <p:cond delay="0"/>
+                                  </p:stCondLst>
+                                  <p:childTnLst>
+                                    <p:set>
+                                      <p:cBhvr>
+                                        <p:cTn id="6" dur="1" fill="hold">
+                                          <p:stCondLst>
+                                            <p:cond delay="0"/>
+                                          </p:stCondLst>
+                                        </p:cTn>
+                                        <p:tgtEl>
+                                          <p:spTgt spid="5"/>
+                                        </p:tgtEl>
+                                        <p:attrNameLst>
+                                          <p:attrName>style.visibility</p:attrName>
+                                        </p:attrNameLst>
+                                      </p:cBhvr>
+                                      <p:to>
+                                        <p:strVal val="visible"/>
+                                      </p:to>
+                                    </p:set>
+                                  </p:childTnLst>
+                                </p:cTn>
+                              </p:par>
+                            </p:childTnLst>
+                          </p:cTn>
+                        </p:par>
+                      </p:childTnLst>
+                    </p:cTn>
+                  </p:par>
+                </p:childTnLst>
+              </p:cTn>
+              <p:prevCondLst>
+                <p:cond evt="onPrev" delay="0">
+                  <p:tgtEl>
+                    <p:sldTgt/>
+                  </p:tgtEl>
+                </p:cond>
+              </p:prevCondLst>
+              <p:nextCondLst>
+                <p:cond evt="onNext" delay="0">
+                  <p:tgtEl>
+                    <p:sldTgt/>
+                  </p:tgtEl>
+                </p:cond>
+              </p:nextCondLst>
+            </p:seq>
+          </p:childTnLst>
+        </p:cTn>
       </p:par>
     </p:tnLst>
   </p:timing>
@@ -5746,7 +7003,7 @@
         </p:blipFill>
         <p:spPr>
           <a:xfrm>
-            <a:off x="1024128" y="2033647"/>
+            <a:off x="1024128" y="1770588"/>
             <a:ext cx="5093801" cy="2088000"/>
           </a:xfrm>
           <a:prstGeom prst="rect">
@@ -5775,7 +7032,7 @@
         </p:blipFill>
         <p:spPr>
           <a:xfrm>
-            <a:off x="1024128" y="4543351"/>
+            <a:off x="1024128" y="3981960"/>
             <a:ext cx="4499225" cy="2124000"/>
           </a:xfrm>
           <a:prstGeom prst="rect">
@@ -5804,7 +7061,7 @@
         </p:blipFill>
         <p:spPr>
           <a:xfrm>
-            <a:off x="6789850" y="2033647"/>
+            <a:off x="6789850" y="585216"/>
             <a:ext cx="4534316" cy="2808000"/>
           </a:xfrm>
           <a:prstGeom prst="rect">
@@ -5833,7 +7090,7 @@
         </p:blipFill>
         <p:spPr>
           <a:xfrm>
-            <a:off x="5884164" y="5017279"/>
+            <a:off x="6789850" y="3544343"/>
             <a:ext cx="2857500" cy="1466850"/>
           </a:xfrm>
           <a:prstGeom prst="rect">
@@ -5846,6 +7103,54 @@
           </a:ln>
         </p:spPr>
       </p:pic>
+      <p:sp>
+        <p:nvSpPr>
+          <p:cNvPr id="2" name="TextBox 1"/>
+          <p:cNvSpPr txBox="1"/>
+          <p:nvPr/>
+        </p:nvSpPr>
+        <p:spPr>
+          <a:xfrm>
+            <a:off x="898815" y="6228876"/>
+            <a:ext cx="6740948" cy="307777"/>
+          </a:xfrm>
+          <a:prstGeom prst="rect">
+            <a:avLst/>
+          </a:prstGeom>
+          <a:noFill/>
+        </p:spPr>
+        <p:txBody>
+          <a:bodyPr wrap="none" rtlCol="0">
+            <a:spAutoFit/>
+          </a:bodyPr>
+          <a:lstStyle/>
+          <a:p>
+            <a:r>
+              <a:rPr lang="id-ID" sz="1400" dirty="0" smtClean="0">
+                <a:hlinkClick r:id="rId6"/>
+              </a:rPr>
+              <a:t>https</a:t>
+            </a:r>
+            <a:r>
+              <a:rPr lang="id-ID" sz="1400" dirty="0">
+                <a:hlinkClick r:id="rId6"/>
+              </a:rPr>
+              <a:t>://</a:t>
+            </a:r>
+            <a:r>
+              <a:rPr lang="id-ID" sz="1400" dirty="0" smtClean="0">
+                <a:hlinkClick r:id="rId6"/>
+              </a:rPr>
+              <a:t>github.com/ksatria/MK-Design-Pattern/tree/master/Code/Duck/MiniDuckSimulator</a:t>
+            </a:r>
+            <a:r>
+              <a:rPr lang="id-ID" sz="1400" dirty="0" smtClean="0"/>
+              <a:t> </a:t>
+            </a:r>
+            <a:endParaRPr lang="id-ID" sz="1400" dirty="0"/>
+          </a:p>
+        </p:txBody>
+      </p:sp>
     </p:spTree>
     <p:extLst>
       <p:ext uri="{BB962C8B-B14F-4D97-AF65-F5344CB8AC3E}">
@@ -5859,7 +7164,210 @@
   <p:timing>
     <p:tnLst>
       <p:par>
-        <p:cTn id="1" dur="indefinite" restart="never" nodeType="tmRoot"/>
+        <p:cTn id="1" dur="indefinite" restart="never" nodeType="tmRoot">
+          <p:childTnLst>
+            <p:seq concurrent="1" nextAc="seek">
+              <p:cTn id="2" dur="indefinite" nodeType="mainSeq">
+                <p:childTnLst>
+                  <p:par>
+                    <p:cTn id="3" fill="hold">
+                      <p:stCondLst>
+                        <p:cond delay="indefinite"/>
+                      </p:stCondLst>
+                      <p:childTnLst>
+                        <p:par>
+                          <p:cTn id="4" fill="hold">
+                            <p:stCondLst>
+                              <p:cond delay="0"/>
+                            </p:stCondLst>
+                            <p:childTnLst>
+                              <p:par>
+                                <p:cTn id="5" presetID="1" presetClass="entr" presetSubtype="0" fill="hold" nodeType="clickEffect">
+                                  <p:stCondLst>
+                                    <p:cond delay="0"/>
+                                  </p:stCondLst>
+                                  <p:childTnLst>
+                                    <p:set>
+                                      <p:cBhvr>
+                                        <p:cTn id="6" dur="1" fill="hold">
+                                          <p:stCondLst>
+                                            <p:cond delay="0"/>
+                                          </p:stCondLst>
+                                        </p:cTn>
+                                        <p:tgtEl>
+                                          <p:spTgt spid="7"/>
+                                        </p:tgtEl>
+                                        <p:attrNameLst>
+                                          <p:attrName>style.visibility</p:attrName>
+                                        </p:attrNameLst>
+                                      </p:cBhvr>
+                                      <p:to>
+                                        <p:strVal val="visible"/>
+                                      </p:to>
+                                    </p:set>
+                                  </p:childTnLst>
+                                </p:cTn>
+                              </p:par>
+                            </p:childTnLst>
+                          </p:cTn>
+                        </p:par>
+                      </p:childTnLst>
+                    </p:cTn>
+                  </p:par>
+                  <p:par>
+                    <p:cTn id="7" fill="hold">
+                      <p:stCondLst>
+                        <p:cond delay="indefinite"/>
+                      </p:stCondLst>
+                      <p:childTnLst>
+                        <p:par>
+                          <p:cTn id="8" fill="hold">
+                            <p:stCondLst>
+                              <p:cond delay="0"/>
+                            </p:stCondLst>
+                            <p:childTnLst>
+                              <p:par>
+                                <p:cTn id="9" presetID="1" presetClass="entr" presetSubtype="0" fill="hold" nodeType="clickEffect">
+                                  <p:stCondLst>
+                                    <p:cond delay="0"/>
+                                  </p:stCondLst>
+                                  <p:childTnLst>
+                                    <p:set>
+                                      <p:cBhvr>
+                                        <p:cTn id="10" dur="1" fill="hold">
+                                          <p:stCondLst>
+                                            <p:cond delay="0"/>
+                                          </p:stCondLst>
+                                        </p:cTn>
+                                        <p:tgtEl>
+                                          <p:spTgt spid="8"/>
+                                        </p:tgtEl>
+                                        <p:attrNameLst>
+                                          <p:attrName>style.visibility</p:attrName>
+                                        </p:attrNameLst>
+                                      </p:cBhvr>
+                                      <p:to>
+                                        <p:strVal val="visible"/>
+                                      </p:to>
+                                    </p:set>
+                                  </p:childTnLst>
+                                </p:cTn>
+                              </p:par>
+                            </p:childTnLst>
+                          </p:cTn>
+                        </p:par>
+                      </p:childTnLst>
+                    </p:cTn>
+                  </p:par>
+                  <p:par>
+                    <p:cTn id="11" fill="hold">
+                      <p:stCondLst>
+                        <p:cond delay="indefinite"/>
+                      </p:stCondLst>
+                      <p:childTnLst>
+                        <p:par>
+                          <p:cTn id="12" fill="hold">
+                            <p:stCondLst>
+                              <p:cond delay="0"/>
+                            </p:stCondLst>
+                            <p:childTnLst>
+                              <p:par>
+                                <p:cTn id="13" presetID="1" presetClass="entr" presetSubtype="0" fill="hold" nodeType="clickEffect">
+                                  <p:stCondLst>
+                                    <p:cond delay="0"/>
+                                  </p:stCondLst>
+                                  <p:childTnLst>
+                                    <p:set>
+                                      <p:cBhvr>
+                                        <p:cTn id="14" dur="1" fill="hold">
+                                          <p:stCondLst>
+                                            <p:cond delay="0"/>
+                                          </p:stCondLst>
+                                        </p:cTn>
+                                        <p:tgtEl>
+                                          <p:spTgt spid="9"/>
+                                        </p:tgtEl>
+                                        <p:attrNameLst>
+                                          <p:attrName>style.visibility</p:attrName>
+                                        </p:attrNameLst>
+                                      </p:cBhvr>
+                                      <p:to>
+                                        <p:strVal val="visible"/>
+                                      </p:to>
+                                    </p:set>
+                                  </p:childTnLst>
+                                </p:cTn>
+                              </p:par>
+                            </p:childTnLst>
+                          </p:cTn>
+                        </p:par>
+                      </p:childTnLst>
+                    </p:cTn>
+                  </p:par>
+                  <p:par>
+                    <p:cTn id="15" fill="hold">
+                      <p:stCondLst>
+                        <p:cond delay="indefinite"/>
+                      </p:stCondLst>
+                      <p:childTnLst>
+                        <p:par>
+                          <p:cTn id="16" fill="hold">
+                            <p:stCondLst>
+                              <p:cond delay="0"/>
+                            </p:stCondLst>
+                            <p:childTnLst>
+                              <p:par>
+                                <p:cTn id="17" presetID="1" presetClass="entr" presetSubtype="0" fill="hold" nodeType="clickEffect">
+                                  <p:stCondLst>
+                                    <p:cond delay="0"/>
+                                  </p:stCondLst>
+                                  <p:childTnLst>
+                                    <p:set>
+                                      <p:cBhvr>
+                                        <p:cTn id="18" dur="1" fill="hold">
+                                          <p:stCondLst>
+                                            <p:cond delay="0"/>
+                                          </p:stCondLst>
+                                        </p:cTn>
+                                        <p:tgtEl>
+                                          <p:spTgt spid="10"/>
+                                        </p:tgtEl>
+                                        <p:attrNameLst>
+                                          <p:attrName>style.visibility</p:attrName>
+                                        </p:attrNameLst>
+                                      </p:cBhvr>
+                                      <p:to>
+                                        <p:strVal val="visible"/>
+                                      </p:to>
+                                    </p:set>
+                                  </p:childTnLst>
+                                </p:cTn>
+                              </p:par>
+                            </p:childTnLst>
+                          </p:cTn>
+                        </p:par>
+                      </p:childTnLst>
+                    </p:cTn>
+                  </p:par>
+                </p:childTnLst>
+              </p:cTn>
+              <p:prevCondLst>
+                <p:cond evt="onPrev" delay="0">
+                  <p:tgtEl>
+                    <p:sldTgt/>
+                  </p:tgtEl>
+                </p:cond>
+              </p:prevCondLst>
+              <p:nextCondLst>
+                <p:cond evt="onNext" delay="0">
+                  <p:tgtEl>
+                    <p:sldTgt/>
+                  </p:tgtEl>
+                </p:cond>
+              </p:nextCondLst>
+            </p:seq>
+          </p:childTnLst>
+        </p:cTn>
       </p:par>
     </p:tnLst>
   </p:timing>
@@ -5927,12 +7435,20 @@
           </a:bodyPr>
           <a:lstStyle/>
           <a:p>
+            <a:pPr marL="355600" indent="-355600">
+              <a:buFont typeface="Courier New" panose="02070309020205020404" pitchFamily="49" charset="0"/>
+              <a:buChar char="o"/>
+            </a:pPr>
             <a:r>
               <a:rPr lang="id-ID" sz="2800" dirty="0" smtClean="0"/>
               <a:t>Strategy pattern: definisikan himpunan algoritma (method), enkapsulasi masing-masing himpunan, dan buat jadi mudah dipertukarkan</a:t>
             </a:r>
           </a:p>
           <a:p>
+            <a:pPr marL="355600" indent="-355600">
+              <a:buFont typeface="Courier New" panose="02070309020205020404" pitchFamily="49" charset="0"/>
+              <a:buChar char="o"/>
+            </a:pPr>
             <a:r>
               <a:rPr lang="id-ID" sz="2800" dirty="0" smtClean="0"/>
               <a:t>Strategy pattern membuat algoritma (method) dapat berubah-ubah secara independen dari client yang menggunakannya</a:t>
@@ -5997,6 +7513,134 @@
   <p:clrMapOvr>
     <a:masterClrMapping/>
   </p:clrMapOvr>
+  <p:timing>
+    <p:tnLst>
+      <p:par>
+        <p:cTn id="1" dur="indefinite" restart="never" nodeType="tmRoot">
+          <p:childTnLst>
+            <p:seq concurrent="1" nextAc="seek">
+              <p:cTn id="2" dur="indefinite" nodeType="mainSeq">
+                <p:childTnLst>
+                  <p:par>
+                    <p:cTn id="3" fill="hold">
+                      <p:stCondLst>
+                        <p:cond delay="indefinite"/>
+                      </p:stCondLst>
+                      <p:childTnLst>
+                        <p:par>
+                          <p:cTn id="4" fill="hold">
+                            <p:stCondLst>
+                              <p:cond delay="0"/>
+                            </p:stCondLst>
+                            <p:childTnLst>
+                              <p:par>
+                                <p:cTn id="5" presetID="1" presetClass="entr" presetSubtype="0" fill="hold" nodeType="clickEffect">
+                                  <p:stCondLst>
+                                    <p:cond delay="0"/>
+                                  </p:stCondLst>
+                                  <p:childTnLst>
+                                    <p:set>
+                                      <p:cBhvr>
+                                        <p:cTn id="6" dur="1" fill="hold">
+                                          <p:stCondLst>
+                                            <p:cond delay="0"/>
+                                          </p:stCondLst>
+                                        </p:cTn>
+                                        <p:tgtEl>
+                                          <p:spTgt spid="6">
+                                            <p:txEl>
+                                              <p:pRg st="0" end="0"/>
+                                            </p:txEl>
+                                          </p:spTgt>
+                                        </p:tgtEl>
+                                        <p:attrNameLst>
+                                          <p:attrName>style.visibility</p:attrName>
+                                        </p:attrNameLst>
+                                      </p:cBhvr>
+                                      <p:to>
+                                        <p:strVal val="visible"/>
+                                      </p:to>
+                                    </p:set>
+                                  </p:childTnLst>
+                                </p:cTn>
+                              </p:par>
+                            </p:childTnLst>
+                          </p:cTn>
+                        </p:par>
+                      </p:childTnLst>
+                    </p:cTn>
+                  </p:par>
+                  <p:par>
+                    <p:cTn id="7" fill="hold">
+                      <p:stCondLst>
+                        <p:cond delay="indefinite"/>
+                      </p:stCondLst>
+                      <p:childTnLst>
+                        <p:par>
+                          <p:cTn id="8" fill="hold">
+                            <p:stCondLst>
+                              <p:cond delay="0"/>
+                            </p:stCondLst>
+                            <p:childTnLst>
+                              <p:par>
+                                <p:cTn id="9" presetID="1" presetClass="entr" presetSubtype="0" fill="hold" nodeType="clickEffect">
+                                  <p:stCondLst>
+                                    <p:cond delay="0"/>
+                                  </p:stCondLst>
+                                  <p:childTnLst>
+                                    <p:set>
+                                      <p:cBhvr>
+                                        <p:cTn id="10" dur="1" fill="hold">
+                                          <p:stCondLst>
+                                            <p:cond delay="0"/>
+                                          </p:stCondLst>
+                                        </p:cTn>
+                                        <p:tgtEl>
+                                          <p:spTgt spid="6">
+                                            <p:txEl>
+                                              <p:pRg st="1" end="1"/>
+                                            </p:txEl>
+                                          </p:spTgt>
+                                        </p:tgtEl>
+                                        <p:attrNameLst>
+                                          <p:attrName>style.visibility</p:attrName>
+                                        </p:attrNameLst>
+                                      </p:cBhvr>
+                                      <p:to>
+                                        <p:strVal val="visible"/>
+                                      </p:to>
+                                    </p:set>
+                                  </p:childTnLst>
+                                </p:cTn>
+                              </p:par>
+                            </p:childTnLst>
+                          </p:cTn>
+                        </p:par>
+                      </p:childTnLst>
+                    </p:cTn>
+                  </p:par>
+                </p:childTnLst>
+              </p:cTn>
+              <p:prevCondLst>
+                <p:cond evt="onPrev" delay="0">
+                  <p:tgtEl>
+                    <p:sldTgt/>
+                  </p:tgtEl>
+                </p:cond>
+              </p:prevCondLst>
+              <p:nextCondLst>
+                <p:cond evt="onNext" delay="0">
+                  <p:tgtEl>
+                    <p:sldTgt/>
+                  </p:tgtEl>
+                </p:cond>
+              </p:nextCondLst>
+            </p:seq>
+          </p:childTnLst>
+        </p:cTn>
+      </p:par>
+    </p:tnLst>
+  </p:timing>
 </p:sld>
 </file>
 
@@ -6390,9 +8034,326 @@
   <p:timing>
     <p:tnLst>
       <p:par>
-        <p:cTn id="1" dur="indefinite" restart="never" nodeType="tmRoot"/>
+        <p:cTn id="1" dur="indefinite" restart="never" nodeType="tmRoot">
+          <p:childTnLst>
+            <p:seq concurrent="1" nextAc="seek">
+              <p:cTn id="2" dur="indefinite" nodeType="mainSeq">
+                <p:childTnLst>
+                  <p:par>
+                    <p:cTn id="3" fill="hold">
+                      <p:stCondLst>
+                        <p:cond delay="indefinite"/>
+                      </p:stCondLst>
+                      <p:childTnLst>
+                        <p:par>
+                          <p:cTn id="4" fill="hold">
+                            <p:stCondLst>
+                              <p:cond delay="0"/>
+                            </p:stCondLst>
+                            <p:childTnLst>
+                              <p:par>
+                                <p:cTn id="5" presetID="1" presetClass="entr" presetSubtype="0" fill="hold" nodeType="clickEffect">
+                                  <p:stCondLst>
+                                    <p:cond delay="0"/>
+                                  </p:stCondLst>
+                                  <p:childTnLst>
+                                    <p:set>
+                                      <p:cBhvr>
+                                        <p:cTn id="6" dur="1" fill="hold">
+                                          <p:stCondLst>
+                                            <p:cond delay="0"/>
+                                          </p:stCondLst>
+                                        </p:cTn>
+                                        <p:tgtEl>
+                                          <p:spTgt spid="10"/>
+                                        </p:tgtEl>
+                                        <p:attrNameLst>
+                                          <p:attrName>style.visibility</p:attrName>
+                                        </p:attrNameLst>
+                                      </p:cBhvr>
+                                      <p:to>
+                                        <p:strVal val="visible"/>
+                                      </p:to>
+                                    </p:set>
+                                  </p:childTnLst>
+                                </p:cTn>
+                              </p:par>
+                            </p:childTnLst>
+                          </p:cTn>
+                        </p:par>
+                      </p:childTnLst>
+                    </p:cTn>
+                  </p:par>
+                  <p:par>
+                    <p:cTn id="7" fill="hold">
+                      <p:stCondLst>
+                        <p:cond delay="indefinite"/>
+                      </p:stCondLst>
+                      <p:childTnLst>
+                        <p:par>
+                          <p:cTn id="8" fill="hold">
+                            <p:stCondLst>
+                              <p:cond delay="0"/>
+                            </p:stCondLst>
+                            <p:childTnLst>
+                              <p:par>
+                                <p:cTn id="9" presetID="1" presetClass="entr" presetSubtype="0" fill="hold" nodeType="clickEffect">
+                                  <p:stCondLst>
+                                    <p:cond delay="0"/>
+                                  </p:stCondLst>
+                                  <p:childTnLst>
+                                    <p:set>
+                                      <p:cBhvr>
+                                        <p:cTn id="10" dur="1" fill="hold">
+                                          <p:stCondLst>
+                                            <p:cond delay="0"/>
+                                          </p:stCondLst>
+                                        </p:cTn>
+                                        <p:tgtEl>
+                                          <p:spTgt spid="14"/>
+                                        </p:tgtEl>
+                                        <p:attrNameLst>
+                                          <p:attrName>style.visibility</p:attrName>
+                                        </p:attrNameLst>
+                                      </p:cBhvr>
+                                      <p:to>
+                                        <p:strVal val="visible"/>
+                                      </p:to>
+                                    </p:set>
+                                  </p:childTnLst>
+                                </p:cTn>
+                              </p:par>
+                            </p:childTnLst>
+                          </p:cTn>
+                        </p:par>
+                      </p:childTnLst>
+                    </p:cTn>
+                  </p:par>
+                  <p:par>
+                    <p:cTn id="11" fill="hold">
+                      <p:stCondLst>
+                        <p:cond delay="indefinite"/>
+                      </p:stCondLst>
+                      <p:childTnLst>
+                        <p:par>
+                          <p:cTn id="12" fill="hold">
+                            <p:stCondLst>
+                              <p:cond delay="0"/>
+                            </p:stCondLst>
+                            <p:childTnLst>
+                              <p:par>
+                                <p:cTn id="13" presetID="1" presetClass="entr" presetSubtype="0" fill="hold" grpId="0" nodeType="clickEffect">
+                                  <p:stCondLst>
+                                    <p:cond delay="0"/>
+                                  </p:stCondLst>
+                                  <p:childTnLst>
+                                    <p:set>
+                                      <p:cBhvr>
+                                        <p:cTn id="14" dur="1" fill="hold">
+                                          <p:stCondLst>
+                                            <p:cond delay="0"/>
+                                          </p:stCondLst>
+                                        </p:cTn>
+                                        <p:tgtEl>
+                                          <p:spTgt spid="12"/>
+                                        </p:tgtEl>
+                                        <p:attrNameLst>
+                                          <p:attrName>style.visibility</p:attrName>
+                                        </p:attrNameLst>
+                                      </p:cBhvr>
+                                      <p:to>
+                                        <p:strVal val="visible"/>
+                                      </p:to>
+                                    </p:set>
+                                  </p:childTnLst>
+                                </p:cTn>
+                              </p:par>
+                              <p:par>
+                                <p:cTn id="15" presetID="1" presetClass="entr" presetSubtype="0" fill="hold" nodeType="withEffect">
+                                  <p:stCondLst>
+                                    <p:cond delay="0"/>
+                                  </p:stCondLst>
+                                  <p:childTnLst>
+                                    <p:set>
+                                      <p:cBhvr>
+                                        <p:cTn id="16" dur="1" fill="hold">
+                                          <p:stCondLst>
+                                            <p:cond delay="0"/>
+                                          </p:stCondLst>
+                                        </p:cTn>
+                                        <p:tgtEl>
+                                          <p:spTgt spid="17"/>
+                                        </p:tgtEl>
+                                        <p:attrNameLst>
+                                          <p:attrName>style.visibility</p:attrName>
+                                        </p:attrNameLst>
+                                      </p:cBhvr>
+                                      <p:to>
+                                        <p:strVal val="visible"/>
+                                      </p:to>
+                                    </p:set>
+                                  </p:childTnLst>
+                                </p:cTn>
+                              </p:par>
+                              <p:par>
+                                <p:cTn id="17" presetID="1" presetClass="entr" presetSubtype="0" fill="hold" grpId="0" nodeType="withEffect">
+                                  <p:stCondLst>
+                                    <p:cond delay="0"/>
+                                  </p:stCondLst>
+                                  <p:childTnLst>
+                                    <p:set>
+                                      <p:cBhvr>
+                                        <p:cTn id="18" dur="1" fill="hold">
+                                          <p:stCondLst>
+                                            <p:cond delay="0"/>
+                                          </p:stCondLst>
+                                        </p:cTn>
+                                        <p:tgtEl>
+                                          <p:spTgt spid="15"/>
+                                        </p:tgtEl>
+                                        <p:attrNameLst>
+                                          <p:attrName>style.visibility</p:attrName>
+                                        </p:attrNameLst>
+                                      </p:cBhvr>
+                                      <p:to>
+                                        <p:strVal val="visible"/>
+                                      </p:to>
+                                    </p:set>
+                                  </p:childTnLst>
+                                </p:cTn>
+                              </p:par>
+                            </p:childTnLst>
+                          </p:cTn>
+                        </p:par>
+                      </p:childTnLst>
+                    </p:cTn>
+                  </p:par>
+                  <p:par>
+                    <p:cTn id="19" fill="hold">
+                      <p:stCondLst>
+                        <p:cond delay="indefinite"/>
+                      </p:stCondLst>
+                      <p:childTnLst>
+                        <p:par>
+                          <p:cTn id="20" fill="hold">
+                            <p:stCondLst>
+                              <p:cond delay="0"/>
+                            </p:stCondLst>
+                            <p:childTnLst>
+                              <p:par>
+                                <p:cTn id="21" presetID="1" presetClass="entr" presetSubtype="0" fill="hold" grpId="0" nodeType="clickEffect">
+                                  <p:stCondLst>
+                                    <p:cond delay="0"/>
+                                  </p:stCondLst>
+                                  <p:childTnLst>
+                                    <p:set>
+                                      <p:cBhvr>
+                                        <p:cTn id="22" dur="1" fill="hold">
+                                          <p:stCondLst>
+                                            <p:cond delay="0"/>
+                                          </p:stCondLst>
+                                        </p:cTn>
+                                        <p:tgtEl>
+                                          <p:spTgt spid="18"/>
+                                        </p:tgtEl>
+                                        <p:attrNameLst>
+                                          <p:attrName>style.visibility</p:attrName>
+                                        </p:attrNameLst>
+                                      </p:cBhvr>
+                                      <p:to>
+                                        <p:strVal val="visible"/>
+                                      </p:to>
+                                    </p:set>
+                                  </p:childTnLst>
+                                </p:cTn>
+                              </p:par>
+                              <p:par>
+                                <p:cTn id="23" presetID="1" presetClass="entr" presetSubtype="0" fill="hold" nodeType="withEffect">
+                                  <p:stCondLst>
+                                    <p:cond delay="0"/>
+                                  </p:stCondLst>
+                                  <p:childTnLst>
+                                    <p:set>
+                                      <p:cBhvr>
+                                        <p:cTn id="24" dur="1" fill="hold">
+                                          <p:stCondLst>
+                                            <p:cond delay="0"/>
+                                          </p:stCondLst>
+                                        </p:cTn>
+                                        <p:tgtEl>
+                                          <p:spTgt spid="20"/>
+                                        </p:tgtEl>
+                                        <p:attrNameLst>
+                                          <p:attrName>style.visibility</p:attrName>
+                                        </p:attrNameLst>
+                                      </p:cBhvr>
+                                      <p:to>
+                                        <p:strVal val="visible"/>
+                                      </p:to>
+                                    </p:set>
+                                  </p:childTnLst>
+                                </p:cTn>
+                              </p:par>
+                              <p:par>
+                                <p:cTn id="25" presetID="1" presetClass="entr" presetSubtype="0" fill="hold" grpId="0" nodeType="withEffect">
+                                  <p:stCondLst>
+                                    <p:cond delay="0"/>
+                                  </p:stCondLst>
+                                  <p:childTnLst>
+                                    <p:set>
+                                      <p:cBhvr>
+                                        <p:cTn id="26" dur="1" fill="hold">
+                                          <p:stCondLst>
+                                            <p:cond delay="0"/>
+                                          </p:stCondLst>
+                                        </p:cTn>
+                                        <p:tgtEl>
+                                          <p:spTgt spid="19"/>
+                                        </p:tgtEl>
+                                        <p:attrNameLst>
+                                          <p:attrName>style.visibility</p:attrName>
+                                        </p:attrNameLst>
+                                      </p:cBhvr>
+                                      <p:to>
+                                        <p:strVal val="visible"/>
+                                      </p:to>
+                                    </p:set>
+                                  </p:childTnLst>
+                                </p:cTn>
+                              </p:par>
+                            </p:childTnLst>
+                          </p:cTn>
+                        </p:par>
+                      </p:childTnLst>
+                    </p:cTn>
+                  </p:par>
+                </p:childTnLst>
+              </p:cTn>
+              <p:prevCondLst>
+                <p:cond evt="onPrev" delay="0">
+                  <p:tgtEl>
+                    <p:sldTgt/>
+                  </p:tgtEl>
+                </p:cond>
+              </p:prevCondLst>
+              <p:nextCondLst>
+                <p:cond evt="onNext" delay="0">
+                  <p:tgtEl>
+                    <p:sldTgt/>
+                  </p:tgtEl>
+                </p:cond>
+              </p:nextCondLst>
+            </p:seq>
+          </p:childTnLst>
+        </p:cTn>
       </p:par>
     </p:tnLst>
+    <p:bldLst>
+      <p:bldP spid="12" grpId="0" animBg="1"/>
+      <p:bldP spid="15" grpId="0"/>
+      <p:bldP spid="18" grpId="0" animBg="1"/>
+      <p:bldP spid="19" grpId="0"/>
+    </p:bldLst>
   </p:timing>
 </p:sld>
 </file>
@@ -6652,9 +8613,180 @@
   <p:timing>
     <p:tnLst>
       <p:par>
-        <p:cTn id="1" dur="indefinite" restart="never" nodeType="tmRoot"/>
+        <p:cTn id="1" dur="indefinite" restart="never" nodeType="tmRoot">
+          <p:childTnLst>
+            <p:seq concurrent="1" nextAc="seek">
+              <p:cTn id="2" dur="indefinite" nodeType="mainSeq">
+                <p:childTnLst>
+                  <p:par>
+                    <p:cTn id="3" fill="hold">
+                      <p:stCondLst>
+                        <p:cond delay="indefinite"/>
+                      </p:stCondLst>
+                      <p:childTnLst>
+                        <p:par>
+                          <p:cTn id="4" fill="hold">
+                            <p:stCondLst>
+                              <p:cond delay="0"/>
+                            </p:stCondLst>
+                            <p:childTnLst>
+                              <p:par>
+                                <p:cTn id="5" presetID="1" presetClass="entr" presetSubtype="0" fill="hold" nodeType="clickEffect">
+                                  <p:stCondLst>
+                                    <p:cond delay="0"/>
+                                  </p:stCondLst>
+                                  <p:childTnLst>
+                                    <p:set>
+                                      <p:cBhvr>
+                                        <p:cTn id="6" dur="1" fill="hold">
+                                          <p:stCondLst>
+                                            <p:cond delay="0"/>
+                                          </p:stCondLst>
+                                        </p:cTn>
+                                        <p:tgtEl>
+                                          <p:spTgt spid="10"/>
+                                        </p:tgtEl>
+                                        <p:attrNameLst>
+                                          <p:attrName>style.visibility</p:attrName>
+                                        </p:attrNameLst>
+                                      </p:cBhvr>
+                                      <p:to>
+                                        <p:strVal val="visible"/>
+                                      </p:to>
+                                    </p:set>
+                                  </p:childTnLst>
+                                </p:cTn>
+                              </p:par>
+                            </p:childTnLst>
+                          </p:cTn>
+                        </p:par>
+                      </p:childTnLst>
+                    </p:cTn>
+                  </p:par>
+                  <p:par>
+                    <p:cTn id="7" fill="hold">
+                      <p:stCondLst>
+                        <p:cond delay="indefinite"/>
+                      </p:stCondLst>
+                      <p:childTnLst>
+                        <p:par>
+                          <p:cTn id="8" fill="hold">
+                            <p:stCondLst>
+                              <p:cond delay="0"/>
+                            </p:stCondLst>
+                            <p:childTnLst>
+                              <p:par>
+                                <p:cTn id="9" presetID="1" presetClass="entr" presetSubtype="0" fill="hold" grpId="0" nodeType="clickEffect">
+                                  <p:stCondLst>
+                                    <p:cond delay="0"/>
+                                  </p:stCondLst>
+                                  <p:childTnLst>
+                                    <p:set>
+                                      <p:cBhvr>
+                                        <p:cTn id="10" dur="1" fill="hold">
+                                          <p:stCondLst>
+                                            <p:cond delay="0"/>
+                                          </p:stCondLst>
+                                        </p:cTn>
+                                        <p:tgtEl>
+                                          <p:spTgt spid="13"/>
+                                        </p:tgtEl>
+                                        <p:attrNameLst>
+                                          <p:attrName>style.visibility</p:attrName>
+                                        </p:attrNameLst>
+                                      </p:cBhvr>
+                                      <p:to>
+                                        <p:strVal val="visible"/>
+                                      </p:to>
+                                    </p:set>
+                                  </p:childTnLst>
+                                </p:cTn>
+                              </p:par>
+                              <p:par>
+                                <p:cTn id="11" presetID="1" presetClass="entr" presetSubtype="0" fill="hold" nodeType="withEffect">
+                                  <p:stCondLst>
+                                    <p:cond delay="0"/>
+                                  </p:stCondLst>
+                                  <p:childTnLst>
+                                    <p:set>
+                                      <p:cBhvr>
+                                        <p:cTn id="12" dur="1" fill="hold">
+                                          <p:stCondLst>
+                                            <p:cond delay="0"/>
+                                          </p:stCondLst>
+                                        </p:cTn>
+                                        <p:tgtEl>
+                                          <p:spTgt spid="15"/>
+                                        </p:tgtEl>
+                                        <p:attrNameLst>
+                                          <p:attrName>style.visibility</p:attrName>
+                                        </p:attrNameLst>
+                                      </p:cBhvr>
+                                      <p:to>
+                                        <p:strVal val="visible"/>
+                                      </p:to>
+                                    </p:set>
+                                  </p:childTnLst>
+                                </p:cTn>
+                              </p:par>
+                              <p:par>
+                                <p:cTn id="13" presetID="1" presetClass="entr" presetSubtype="0" fill="hold" grpId="0" nodeType="withEffect">
+                                  <p:stCondLst>
+                                    <p:cond delay="0"/>
+                                  </p:stCondLst>
+                                  <p:childTnLst>
+                                    <p:set>
+                                      <p:cBhvr>
+                                        <p:cTn id="14" dur="1" fill="hold">
+                                          <p:stCondLst>
+                                            <p:cond delay="0"/>
+                                          </p:stCondLst>
+                                        </p:cTn>
+                                        <p:tgtEl>
+                                          <p:spTgt spid="12"/>
+                                        </p:tgtEl>
+                                        <p:attrNameLst>
+                                          <p:attrName>style.visibility</p:attrName>
+                                        </p:attrNameLst>
+                                      </p:cBhvr>
+                                      <p:to>
+                                        <p:strVal val="visible"/>
+                                      </p:to>
+                                    </p:set>
+                                  </p:childTnLst>
+                                </p:cTn>
+                              </p:par>
+                            </p:childTnLst>
+                          </p:cTn>
+                        </p:par>
+                      </p:childTnLst>
+                    </p:cTn>
+                  </p:par>
+                </p:childTnLst>
+              </p:cTn>
+              <p:prevCondLst>
+                <p:cond evt="onPrev" delay="0">
+                  <p:tgtEl>
+                    <p:sldTgt/>
+                  </p:tgtEl>
+                </p:cond>
+              </p:prevCondLst>
+              <p:nextCondLst>
+                <p:cond evt="onNext" delay="0">
+                  <p:tgtEl>
+                    <p:sldTgt/>
+                  </p:tgtEl>
+                </p:cond>
+              </p:nextCondLst>
+            </p:seq>
+          </p:childTnLst>
+        </p:cTn>
       </p:par>
     </p:tnLst>
+    <p:bldLst>
+      <p:bldP spid="12" grpId="0"/>
+      <p:bldP spid="13" grpId="0" animBg="1"/>
+    </p:bldLst>
   </p:timing>
 </p:sld>
 </file>
@@ -6716,18 +8848,30 @@
           </a:bodyPr>
           <a:lstStyle/>
           <a:p>
+            <a:pPr marL="355600" indent="-355600">
+              <a:buFont typeface="Courier New" panose="02070309020205020404" pitchFamily="49" charset="0"/>
+              <a:buChar char="o"/>
+            </a:pPr>
             <a:r>
               <a:rPr lang="id-ID" sz="2800" dirty="0" smtClean="0"/>
               <a:t>Abstract method: method tanpa definisi/body</a:t>
             </a:r>
           </a:p>
           <a:p>
+            <a:pPr marL="355600" indent="-355600">
+              <a:buFont typeface="Courier New" panose="02070309020205020404" pitchFamily="49" charset="0"/>
+              <a:buChar char="o"/>
+            </a:pPr>
             <a:r>
               <a:rPr lang="id-ID" sz="2800" dirty="0" smtClean="0"/>
               <a:t>Abstract class: class yang mengandung abstract method</a:t>
             </a:r>
           </a:p>
           <a:p>
+            <a:pPr marL="355600" indent="-355600">
+              <a:buFont typeface="Courier New" panose="02070309020205020404" pitchFamily="49" charset="0"/>
+              <a:buChar char="o"/>
+            </a:pPr>
             <a:r>
               <a:rPr lang="id-ID" sz="2800" dirty="0" smtClean="0"/>
               <a:t>Abstract class </a:t>
@@ -6742,13 +8886,17 @@
             </a:r>
           </a:p>
           <a:p>
+            <a:pPr marL="355600" indent="-355600">
+              <a:buFont typeface="Courier New" panose="02070309020205020404" pitchFamily="49" charset="0"/>
+              <a:buChar char="o"/>
+            </a:pPr>
             <a:r>
               <a:rPr lang="id-ID" sz="2800" dirty="0" smtClean="0"/>
               <a:t>Abstract class tetap bisa diturunkan</a:t>
             </a:r>
           </a:p>
           <a:p>
-            <a:pPr lvl="1"/>
+            <a:pPr marL="531813" lvl="1" indent="-136525"/>
             <a:r>
               <a:rPr lang="id-ID" sz="2400" dirty="0" smtClean="0"/>
               <a:t>Turunannya harus meng-override semua abstract method</a:t>
@@ -6816,7 +8964,275 @@
   <p:timing>
     <p:tnLst>
       <p:par>
-        <p:cTn id="1" dur="indefinite" restart="never" nodeType="tmRoot"/>
+        <p:cTn id="1" dur="indefinite" restart="never" nodeType="tmRoot">
+          <p:childTnLst>
+            <p:seq concurrent="1" nextAc="seek">
+              <p:cTn id="2" dur="indefinite" nodeType="mainSeq">
+                <p:childTnLst>
+                  <p:par>
+                    <p:cTn id="3" fill="hold">
+                      <p:stCondLst>
+                        <p:cond delay="indefinite"/>
+                      </p:stCondLst>
+                      <p:childTnLst>
+                        <p:par>
+                          <p:cTn id="4" fill="hold">
+                            <p:stCondLst>
+                              <p:cond delay="0"/>
+                            </p:stCondLst>
+                            <p:childTnLst>
+                              <p:par>
+                                <p:cTn id="5" presetID="1" presetClass="entr" presetSubtype="0" fill="hold" nodeType="clickEffect">
+                                  <p:stCondLst>
+                                    <p:cond delay="0"/>
+                                  </p:stCondLst>
+                                  <p:childTnLst>
+                                    <p:set>
+                                      <p:cBhvr>
+                                        <p:cTn id="6" dur="1" fill="hold">
+                                          <p:stCondLst>
+                                            <p:cond delay="0"/>
+                                          </p:stCondLst>
+                                        </p:cTn>
+                                        <p:tgtEl>
+                                          <p:spTgt spid="3">
+                                            <p:txEl>
+                                              <p:pRg st="0" end="0"/>
+                                            </p:txEl>
+                                          </p:spTgt>
+                                        </p:tgtEl>
+                                        <p:attrNameLst>
+                                          <p:attrName>style.visibility</p:attrName>
+                                        </p:attrNameLst>
+                                      </p:cBhvr>
+                                      <p:to>
+                                        <p:strVal val="visible"/>
+                                      </p:to>
+                                    </p:set>
+                                  </p:childTnLst>
+                                </p:cTn>
+                              </p:par>
+                            </p:childTnLst>
+                          </p:cTn>
+                        </p:par>
+                      </p:childTnLst>
+                    </p:cTn>
+                  </p:par>
+                  <p:par>
+                    <p:cTn id="7" fill="hold">
+                      <p:stCondLst>
+                        <p:cond delay="indefinite"/>
+                      </p:stCondLst>
+                      <p:childTnLst>
+                        <p:par>
+                          <p:cTn id="8" fill="hold">
+                            <p:stCondLst>
+                              <p:cond delay="0"/>
+                            </p:stCondLst>
+                            <p:childTnLst>
+                              <p:par>
+                                <p:cTn id="9" presetID="1" presetClass="entr" presetSubtype="0" fill="hold" nodeType="clickEffect">
+                                  <p:stCondLst>
+                                    <p:cond delay="0"/>
+                                  </p:stCondLst>
+                                  <p:childTnLst>
+                                    <p:set>
+                                      <p:cBhvr>
+                                        <p:cTn id="10" dur="1" fill="hold">
+                                          <p:stCondLst>
+                                            <p:cond delay="0"/>
+                                          </p:stCondLst>
+                                        </p:cTn>
+                                        <p:tgtEl>
+                                          <p:spTgt spid="3">
+                                            <p:txEl>
+                                              <p:pRg st="1" end="1"/>
+                                            </p:txEl>
+                                          </p:spTgt>
+                                        </p:tgtEl>
+                                        <p:attrNameLst>
+                                          <p:attrName>style.visibility</p:attrName>
+                                        </p:attrNameLst>
+                                      </p:cBhvr>
+                                      <p:to>
+                                        <p:strVal val="visible"/>
+                                      </p:to>
+                                    </p:set>
+                                  </p:childTnLst>
+                                </p:cTn>
+                              </p:par>
+                            </p:childTnLst>
+                          </p:cTn>
+                        </p:par>
+                      </p:childTnLst>
+                    </p:cTn>
+                  </p:par>
+                  <p:par>
+                    <p:cTn id="11" fill="hold">
+                      <p:stCondLst>
+                        <p:cond delay="indefinite"/>
+                      </p:stCondLst>
+                      <p:childTnLst>
+                        <p:par>
+                          <p:cTn id="12" fill="hold">
+                            <p:stCondLst>
+                              <p:cond delay="0"/>
+                            </p:stCondLst>
+                            <p:childTnLst>
+                              <p:par>
+                                <p:cTn id="13" presetID="1" presetClass="entr" presetSubtype="0" fill="hold" nodeType="clickEffect">
+                                  <p:stCondLst>
+                                    <p:cond delay="0"/>
+                                  </p:stCondLst>
+                                  <p:childTnLst>
+                                    <p:set>
+                                      <p:cBhvr>
+                                        <p:cTn id="14" dur="1" fill="hold">
+                                          <p:stCondLst>
+                                            <p:cond delay="0"/>
+                                          </p:stCondLst>
+                                        </p:cTn>
+                                        <p:tgtEl>
+                                          <p:spTgt spid="3">
+                                            <p:txEl>
+                                              <p:pRg st="2" end="2"/>
+                                            </p:txEl>
+                                          </p:spTgt>
+                                        </p:tgtEl>
+                                        <p:attrNameLst>
+                                          <p:attrName>style.visibility</p:attrName>
+                                        </p:attrNameLst>
+                                      </p:cBhvr>
+                                      <p:to>
+                                        <p:strVal val="visible"/>
+                                      </p:to>
+                                    </p:set>
+                                  </p:childTnLst>
+                                </p:cTn>
+                              </p:par>
+                            </p:childTnLst>
+                          </p:cTn>
+                        </p:par>
+                      </p:childTnLst>
+                    </p:cTn>
+                  </p:par>
+                  <p:par>
+                    <p:cTn id="15" fill="hold">
+                      <p:stCondLst>
+                        <p:cond delay="indefinite"/>
+                      </p:stCondLst>
+                      <p:childTnLst>
+                        <p:par>
+                          <p:cTn id="16" fill="hold">
+                            <p:stCondLst>
+                              <p:cond delay="0"/>
+                            </p:stCondLst>
+                            <p:childTnLst>
+                              <p:par>
+                                <p:cTn id="17" presetID="1" presetClass="entr" presetSubtype="0" fill="hold" nodeType="clickEffect">
+                                  <p:stCondLst>
+                                    <p:cond delay="0"/>
+                                  </p:stCondLst>
+                                  <p:childTnLst>
+                                    <p:set>
+                                      <p:cBhvr>
+                                        <p:cTn id="18" dur="1" fill="hold">
+                                          <p:stCondLst>
+                                            <p:cond delay="0"/>
+                                          </p:stCondLst>
+                                        </p:cTn>
+                                        <p:tgtEl>
+                                          <p:spTgt spid="3">
+                                            <p:txEl>
+                                              <p:pRg st="3" end="3"/>
+                                            </p:txEl>
+                                          </p:spTgt>
+                                        </p:tgtEl>
+                                        <p:attrNameLst>
+                                          <p:attrName>style.visibility</p:attrName>
+                                        </p:attrNameLst>
+                                      </p:cBhvr>
+                                      <p:to>
+                                        <p:strVal val="visible"/>
+                                      </p:to>
+                                    </p:set>
+                                  </p:childTnLst>
+                                </p:cTn>
+                              </p:par>
+                            </p:childTnLst>
+                          </p:cTn>
+                        </p:par>
+                      </p:childTnLst>
+                    </p:cTn>
+                  </p:par>
+                  <p:par>
+                    <p:cTn id="19" fill="hold">
+                      <p:stCondLst>
+                        <p:cond delay="indefinite"/>
+                      </p:stCondLst>
+                      <p:childTnLst>
+                        <p:par>
+                          <p:cTn id="20" fill="hold">
+                            <p:stCondLst>
+                              <p:cond delay="0"/>
+                            </p:stCondLst>
+                            <p:childTnLst>
+                              <p:par>
+                                <p:cTn id="21" presetID="1" presetClass="entr" presetSubtype="0" fill="hold" nodeType="clickEffect">
+                                  <p:stCondLst>
+                                    <p:cond delay="0"/>
+                                  </p:stCondLst>
+                                  <p:childTnLst>
+                                    <p:set>
+                                      <p:cBhvr>
+                                        <p:cTn id="22" dur="1" fill="hold">
+                                          <p:stCondLst>
+                                            <p:cond delay="0"/>
+                                          </p:stCondLst>
+                                        </p:cTn>
+                                        <p:tgtEl>
+                                          <p:spTgt spid="3">
+                                            <p:txEl>
+                                              <p:pRg st="4" end="4"/>
+                                            </p:txEl>
+                                          </p:spTgt>
+                                        </p:tgtEl>
+                                        <p:attrNameLst>
+                                          <p:attrName>style.visibility</p:attrName>
+                                        </p:attrNameLst>
+                                      </p:cBhvr>
+                                      <p:to>
+                                        <p:strVal val="visible"/>
+                                      </p:to>
+                                    </p:set>
+                                  </p:childTnLst>
+                                </p:cTn>
+                              </p:par>
+                            </p:childTnLst>
+                          </p:cTn>
+                        </p:par>
+                      </p:childTnLst>
+                    </p:cTn>
+                  </p:par>
+                </p:childTnLst>
+              </p:cTn>
+              <p:prevCondLst>
+                <p:cond evt="onPrev" delay="0">
+                  <p:tgtEl>
+                    <p:sldTgt/>
+                  </p:tgtEl>
+                </p:cond>
+              </p:prevCondLst>
+              <p:nextCondLst>
+                <p:cond evt="onNext" delay="0">
+                  <p:tgtEl>
+                    <p:sldTgt/>
+                  </p:tgtEl>
+                </p:cond>
+              </p:nextCondLst>
+            </p:seq>
+          </p:childTnLst>
+        </p:cTn>
       </p:par>
     </p:tnLst>
   </p:timing>
@@ -7154,9 +9570,280 @@
   <p:timing>
     <p:tnLst>
       <p:par>
-        <p:cTn id="1" dur="indefinite" restart="never" nodeType="tmRoot"/>
+        <p:cTn id="1" dur="indefinite" restart="never" nodeType="tmRoot">
+          <p:childTnLst>
+            <p:seq concurrent="1" nextAc="seek">
+              <p:cTn id="2" dur="indefinite" nodeType="mainSeq">
+                <p:childTnLst>
+                  <p:par>
+                    <p:cTn id="3" fill="hold">
+                      <p:stCondLst>
+                        <p:cond delay="indefinite"/>
+                      </p:stCondLst>
+                      <p:childTnLst>
+                        <p:par>
+                          <p:cTn id="4" fill="hold">
+                            <p:stCondLst>
+                              <p:cond delay="0"/>
+                            </p:stCondLst>
+                            <p:childTnLst>
+                              <p:par>
+                                <p:cTn id="5" presetID="1" presetClass="entr" presetSubtype="0" fill="hold" nodeType="clickEffect">
+                                  <p:stCondLst>
+                                    <p:cond delay="0"/>
+                                  </p:stCondLst>
+                                  <p:childTnLst>
+                                    <p:set>
+                                      <p:cBhvr>
+                                        <p:cTn id="6" dur="1" fill="hold">
+                                          <p:stCondLst>
+                                            <p:cond delay="0"/>
+                                          </p:stCondLst>
+                                        </p:cTn>
+                                        <p:tgtEl>
+                                          <p:spTgt spid="9"/>
+                                        </p:tgtEl>
+                                        <p:attrNameLst>
+                                          <p:attrName>style.visibility</p:attrName>
+                                        </p:attrNameLst>
+                                      </p:cBhvr>
+                                      <p:to>
+                                        <p:strVal val="visible"/>
+                                      </p:to>
+                                    </p:set>
+                                  </p:childTnLst>
+                                </p:cTn>
+                              </p:par>
+                            </p:childTnLst>
+                          </p:cTn>
+                        </p:par>
+                      </p:childTnLst>
+                    </p:cTn>
+                  </p:par>
+                  <p:par>
+                    <p:cTn id="7" fill="hold">
+                      <p:stCondLst>
+                        <p:cond delay="indefinite"/>
+                      </p:stCondLst>
+                      <p:childTnLst>
+                        <p:par>
+                          <p:cTn id="8" fill="hold">
+                            <p:stCondLst>
+                              <p:cond delay="0"/>
+                            </p:stCondLst>
+                            <p:childTnLst>
+                              <p:par>
+                                <p:cTn id="9" presetID="1" presetClass="entr" presetSubtype="0" fill="hold" grpId="0" nodeType="clickEffect">
+                                  <p:stCondLst>
+                                    <p:cond delay="0"/>
+                                  </p:stCondLst>
+                                  <p:childTnLst>
+                                    <p:set>
+                                      <p:cBhvr>
+                                        <p:cTn id="10" dur="1" fill="hold">
+                                          <p:stCondLst>
+                                            <p:cond delay="0"/>
+                                          </p:stCondLst>
+                                        </p:cTn>
+                                        <p:tgtEl>
+                                          <p:spTgt spid="11"/>
+                                        </p:tgtEl>
+                                        <p:attrNameLst>
+                                          <p:attrName>style.visibility</p:attrName>
+                                        </p:attrNameLst>
+                                      </p:cBhvr>
+                                      <p:to>
+                                        <p:strVal val="visible"/>
+                                      </p:to>
+                                    </p:set>
+                                  </p:childTnLst>
+                                </p:cTn>
+                              </p:par>
+                            </p:childTnLst>
+                          </p:cTn>
+                        </p:par>
+                      </p:childTnLst>
+                    </p:cTn>
+                  </p:par>
+                  <p:par>
+                    <p:cTn id="11" fill="hold">
+                      <p:stCondLst>
+                        <p:cond delay="indefinite"/>
+                      </p:stCondLst>
+                      <p:childTnLst>
+                        <p:par>
+                          <p:cTn id="12" fill="hold">
+                            <p:stCondLst>
+                              <p:cond delay="0"/>
+                            </p:stCondLst>
+                            <p:childTnLst>
+                              <p:par>
+                                <p:cTn id="13" presetID="1" presetClass="entr" presetSubtype="0" fill="hold" nodeType="clickEffect">
+                                  <p:stCondLst>
+                                    <p:cond delay="0"/>
+                                  </p:stCondLst>
+                                  <p:childTnLst>
+                                    <p:set>
+                                      <p:cBhvr>
+                                        <p:cTn id="14" dur="1" fill="hold">
+                                          <p:stCondLst>
+                                            <p:cond delay="0"/>
+                                          </p:stCondLst>
+                                        </p:cTn>
+                                        <p:tgtEl>
+                                          <p:spTgt spid="10"/>
+                                        </p:tgtEl>
+                                        <p:attrNameLst>
+                                          <p:attrName>style.visibility</p:attrName>
+                                        </p:attrNameLst>
+                                      </p:cBhvr>
+                                      <p:to>
+                                        <p:strVal val="visible"/>
+                                      </p:to>
+                                    </p:set>
+                                  </p:childTnLst>
+                                </p:cTn>
+                              </p:par>
+                            </p:childTnLst>
+                          </p:cTn>
+                        </p:par>
+                      </p:childTnLst>
+                    </p:cTn>
+                  </p:par>
+                  <p:par>
+                    <p:cTn id="15" fill="hold">
+                      <p:stCondLst>
+                        <p:cond delay="indefinite"/>
+                      </p:stCondLst>
+                      <p:childTnLst>
+                        <p:par>
+                          <p:cTn id="16" fill="hold">
+                            <p:stCondLst>
+                              <p:cond delay="0"/>
+                            </p:stCondLst>
+                            <p:childTnLst>
+                              <p:par>
+                                <p:cTn id="17" presetID="1" presetClass="entr" presetSubtype="0" fill="hold" grpId="0" nodeType="clickEffect">
+                                  <p:stCondLst>
+                                    <p:cond delay="0"/>
+                                  </p:stCondLst>
+                                  <p:childTnLst>
+                                    <p:set>
+                                      <p:cBhvr>
+                                        <p:cTn id="18" dur="1" fill="hold">
+                                          <p:stCondLst>
+                                            <p:cond delay="0"/>
+                                          </p:stCondLst>
+                                        </p:cTn>
+                                        <p:tgtEl>
+                                          <p:spTgt spid="12"/>
+                                        </p:tgtEl>
+                                        <p:attrNameLst>
+                                          <p:attrName>style.visibility</p:attrName>
+                                        </p:attrNameLst>
+                                      </p:cBhvr>
+                                      <p:to>
+                                        <p:strVal val="visible"/>
+                                      </p:to>
+                                    </p:set>
+                                  </p:childTnLst>
+                                </p:cTn>
+                              </p:par>
+                            </p:childTnLst>
+                          </p:cTn>
+                        </p:par>
+                        <p:par>
+                          <p:cTn id="19" fill="hold">
+                            <p:stCondLst>
+                              <p:cond delay="0"/>
+                            </p:stCondLst>
+                            <p:childTnLst>
+                              <p:par>
+                                <p:cTn id="20" presetID="1" presetClass="entr" presetSubtype="0" fill="hold" grpId="0" nodeType="afterEffect">
+                                  <p:stCondLst>
+                                    <p:cond delay="0"/>
+                                  </p:stCondLst>
+                                  <p:childTnLst>
+                                    <p:set>
+                                      <p:cBhvr>
+                                        <p:cTn id="21" dur="1" fill="hold">
+                                          <p:stCondLst>
+                                            <p:cond delay="0"/>
+                                          </p:stCondLst>
+                                        </p:cTn>
+                                        <p:tgtEl>
+                                          <p:spTgt spid="13"/>
+                                        </p:tgtEl>
+                                        <p:attrNameLst>
+                                          <p:attrName>style.visibility</p:attrName>
+                                        </p:attrNameLst>
+                                      </p:cBhvr>
+                                      <p:to>
+                                        <p:strVal val="visible"/>
+                                      </p:to>
+                                    </p:set>
+                                  </p:childTnLst>
+                                </p:cTn>
+                              </p:par>
+                              <p:par>
+                                <p:cTn id="22" presetID="1" presetClass="entr" presetSubtype="0" fill="hold" nodeType="withEffect">
+                                  <p:stCondLst>
+                                    <p:cond delay="0"/>
+                                  </p:stCondLst>
+                                  <p:childTnLst>
+                                    <p:set>
+                                      <p:cBhvr>
+                                        <p:cTn id="23" dur="1" fill="hold">
+                                          <p:stCondLst>
+                                            <p:cond delay="0"/>
+                                          </p:stCondLst>
+                                        </p:cTn>
+                                        <p:tgtEl>
+                                          <p:spTgt spid="15"/>
+                                        </p:tgtEl>
+                                        <p:attrNameLst>
+                                          <p:attrName>style.visibility</p:attrName>
+                                        </p:attrNameLst>
+                                      </p:cBhvr>
+                                      <p:to>
+                                        <p:strVal val="visible"/>
+                                      </p:to>
+                                    </p:set>
+                                  </p:childTnLst>
+                                </p:cTn>
+                              </p:par>
+                            </p:childTnLst>
+                          </p:cTn>
+                        </p:par>
+                      </p:childTnLst>
+                    </p:cTn>
+                  </p:par>
+                </p:childTnLst>
+              </p:cTn>
+              <p:prevCondLst>
+                <p:cond evt="onPrev" delay="0">
+                  <p:tgtEl>
+                    <p:sldTgt/>
+                  </p:tgtEl>
+                </p:cond>
+              </p:prevCondLst>
+              <p:nextCondLst>
+                <p:cond evt="onNext" delay="0">
+                  <p:tgtEl>
+                    <p:sldTgt/>
+                  </p:tgtEl>
+                </p:cond>
+              </p:nextCondLst>
+            </p:seq>
+          </p:childTnLst>
+        </p:cTn>
       </p:par>
     </p:tnLst>
+    <p:bldLst>
+      <p:bldP spid="11" grpId="0"/>
+      <p:bldP spid="12" grpId="0"/>
+      <p:bldP spid="13" grpId="0" animBg="1"/>
+    </p:bldLst>
   </p:timing>
 </p:sld>
 </file>
@@ -7211,38 +9898,59 @@
             <p:ph idx="1"/>
           </p:nvPr>
         </p:nvSpPr>
-        <p:spPr/>
+        <p:spPr>
+          <a:xfrm>
+            <a:off x="1024128" y="2286000"/>
+            <a:ext cx="10508230" cy="4023360"/>
+          </a:xfrm>
+        </p:spPr>
         <p:txBody>
           <a:bodyPr>
             <a:normAutofit/>
           </a:bodyPr>
           <a:lstStyle/>
           <a:p>
+            <a:pPr marL="355600" indent="-355600">
+              <a:buFont typeface="Courier New" panose="02070309020205020404" pitchFamily="49" charset="0"/>
+              <a:buChar char="o"/>
+            </a:pPr>
             <a:r>
               <a:rPr lang="id-ID" sz="2800" dirty="0" smtClean="0"/>
               <a:t>Antarmuka, tapi bukan tampilan di layar (user interface)</a:t>
             </a:r>
           </a:p>
           <a:p>
+            <a:pPr marL="355600" indent="-355600">
+              <a:buFont typeface="Courier New" panose="02070309020205020404" pitchFamily="49" charset="0"/>
+              <a:buChar char="o"/>
+            </a:pPr>
             <a:r>
               <a:rPr lang="id-ID" sz="2800" dirty="0" smtClean="0"/>
               <a:t>Menspesifikasikan operasi (method) yang terlihat dari luar kelas</a:t>
             </a:r>
           </a:p>
           <a:p>
-            <a:pPr lvl="1"/>
+            <a:pPr marL="531813" lvl="1" indent="-136525"/>
             <a:r>
               <a:rPr lang="id-ID" sz="2400" dirty="0" smtClean="0"/>
               <a:t>Method yang harus ada di suatu class</a:t>
             </a:r>
           </a:p>
           <a:p>
+            <a:pPr marL="355600" indent="-355600">
+              <a:buFont typeface="Courier New" panose="02070309020205020404" pitchFamily="49" charset="0"/>
+              <a:buChar char="o"/>
+            </a:pPr>
             <a:r>
               <a:rPr lang="id-ID" sz="2800" dirty="0" smtClean="0"/>
               <a:t>Class yang seluruh methodnya bersifat abstract</a:t>
             </a:r>
           </a:p>
           <a:p>
+            <a:pPr marL="355600" indent="-355600">
+              <a:buFont typeface="Courier New" panose="02070309020205020404" pitchFamily="49" charset="0"/>
+              <a:buChar char="o"/>
+            </a:pPr>
             <a:r>
               <a:rPr lang="id-ID" sz="2800" dirty="0" smtClean="0"/>
               <a:t>Class yang mengimplementasikan interface </a:t>
@@ -7318,7 +10026,275 @@
   <p:timing>
     <p:tnLst>
       <p:par>
-        <p:cTn id="1" dur="indefinite" restart="never" nodeType="tmRoot"/>
+        <p:cTn id="1" dur="indefinite" restart="never" nodeType="tmRoot">
+          <p:childTnLst>
+            <p:seq concurrent="1" nextAc="seek">
+              <p:cTn id="2" dur="indefinite" nodeType="mainSeq">
+                <p:childTnLst>
+                  <p:par>
+                    <p:cTn id="3" fill="hold">
+                      <p:stCondLst>
+                        <p:cond delay="indefinite"/>
+                      </p:stCondLst>
+                      <p:childTnLst>
+                        <p:par>
+                          <p:cTn id="4" fill="hold">
+                            <p:stCondLst>
+                              <p:cond delay="0"/>
+                            </p:stCondLst>
+                            <p:childTnLst>
+                              <p:par>
+                                <p:cTn id="5" presetID="1" presetClass="entr" presetSubtype="0" fill="hold" nodeType="clickEffect">
+                                  <p:stCondLst>
+                                    <p:cond delay="0"/>
+                                  </p:stCondLst>
+                                  <p:childTnLst>
+                                    <p:set>
+                                      <p:cBhvr>
+                                        <p:cTn id="6" dur="1" fill="hold">
+                                          <p:stCondLst>
+                                            <p:cond delay="0"/>
+                                          </p:stCondLst>
+                                        </p:cTn>
+                                        <p:tgtEl>
+                                          <p:spTgt spid="7">
+                                            <p:txEl>
+                                              <p:pRg st="0" end="0"/>
+                                            </p:txEl>
+                                          </p:spTgt>
+                                        </p:tgtEl>
+                                        <p:attrNameLst>
+                                          <p:attrName>style.visibility</p:attrName>
+                                        </p:attrNameLst>
+                                      </p:cBhvr>
+                                      <p:to>
+                                        <p:strVal val="visible"/>
+                                      </p:to>
+                                    </p:set>
+                                  </p:childTnLst>
+                                </p:cTn>
+                              </p:par>
+                            </p:childTnLst>
+                          </p:cTn>
+                        </p:par>
+                      </p:childTnLst>
+                    </p:cTn>
+                  </p:par>
+                  <p:par>
+                    <p:cTn id="7" fill="hold">
+                      <p:stCondLst>
+                        <p:cond delay="indefinite"/>
+                      </p:stCondLst>
+                      <p:childTnLst>
+                        <p:par>
+                          <p:cTn id="8" fill="hold">
+                            <p:stCondLst>
+                              <p:cond delay="0"/>
+                            </p:stCondLst>
+                            <p:childTnLst>
+                              <p:par>
+                                <p:cTn id="9" presetID="1" presetClass="entr" presetSubtype="0" fill="hold" nodeType="clickEffect">
+                                  <p:stCondLst>
+                                    <p:cond delay="0"/>
+                                  </p:stCondLst>
+                                  <p:childTnLst>
+                                    <p:set>
+                                      <p:cBhvr>
+                                        <p:cTn id="10" dur="1" fill="hold">
+                                          <p:stCondLst>
+                                            <p:cond delay="0"/>
+                                          </p:stCondLst>
+                                        </p:cTn>
+                                        <p:tgtEl>
+                                          <p:spTgt spid="7">
+                                            <p:txEl>
+                                              <p:pRg st="1" end="1"/>
+                                            </p:txEl>
+                                          </p:spTgt>
+                                        </p:tgtEl>
+                                        <p:attrNameLst>
+                                          <p:attrName>style.visibility</p:attrName>
+                                        </p:attrNameLst>
+                                      </p:cBhvr>
+                                      <p:to>
+                                        <p:strVal val="visible"/>
+                                      </p:to>
+                                    </p:set>
+                                  </p:childTnLst>
+                                </p:cTn>
+                              </p:par>
+                            </p:childTnLst>
+                          </p:cTn>
+                        </p:par>
+                      </p:childTnLst>
+                    </p:cTn>
+                  </p:par>
+                  <p:par>
+                    <p:cTn id="11" fill="hold">
+                      <p:stCondLst>
+                        <p:cond delay="indefinite"/>
+                      </p:stCondLst>
+                      <p:childTnLst>
+                        <p:par>
+                          <p:cTn id="12" fill="hold">
+                            <p:stCondLst>
+                              <p:cond delay="0"/>
+                            </p:stCondLst>
+                            <p:childTnLst>
+                              <p:par>
+                                <p:cTn id="13" presetID="1" presetClass="entr" presetSubtype="0" fill="hold" nodeType="clickEffect">
+                                  <p:stCondLst>
+                                    <p:cond delay="0"/>
+                                  </p:stCondLst>
+                                  <p:childTnLst>
+                                    <p:set>
+                                      <p:cBhvr>
+                                        <p:cTn id="14" dur="1" fill="hold">
+                                          <p:stCondLst>
+                                            <p:cond delay="0"/>
+                                          </p:stCondLst>
+                                        </p:cTn>
+                                        <p:tgtEl>
+                                          <p:spTgt spid="7">
+                                            <p:txEl>
+                                              <p:pRg st="2" end="2"/>
+                                            </p:txEl>
+                                          </p:spTgt>
+                                        </p:tgtEl>
+                                        <p:attrNameLst>
+                                          <p:attrName>style.visibility</p:attrName>
+                                        </p:attrNameLst>
+                                      </p:cBhvr>
+                                      <p:to>
+                                        <p:strVal val="visible"/>
+                                      </p:to>
+                                    </p:set>
+                                  </p:childTnLst>
+                                </p:cTn>
+                              </p:par>
+                            </p:childTnLst>
+                          </p:cTn>
+                        </p:par>
+                      </p:childTnLst>
+                    </p:cTn>
+                  </p:par>
+                  <p:par>
+                    <p:cTn id="15" fill="hold">
+                      <p:stCondLst>
+                        <p:cond delay="indefinite"/>
+                      </p:stCondLst>
+                      <p:childTnLst>
+                        <p:par>
+                          <p:cTn id="16" fill="hold">
+                            <p:stCondLst>
+                              <p:cond delay="0"/>
+                            </p:stCondLst>
+                            <p:childTnLst>
+                              <p:par>
+                                <p:cTn id="17" presetID="1" presetClass="entr" presetSubtype="0" fill="hold" nodeType="clickEffect">
+                                  <p:stCondLst>
+                                    <p:cond delay="0"/>
+                                  </p:stCondLst>
+                                  <p:childTnLst>
+                                    <p:set>
+                                      <p:cBhvr>
+                                        <p:cTn id="18" dur="1" fill="hold">
+                                          <p:stCondLst>
+                                            <p:cond delay="0"/>
+                                          </p:stCondLst>
+                                        </p:cTn>
+                                        <p:tgtEl>
+                                          <p:spTgt spid="7">
+                                            <p:txEl>
+                                              <p:pRg st="3" end="3"/>
+                                            </p:txEl>
+                                          </p:spTgt>
+                                        </p:tgtEl>
+                                        <p:attrNameLst>
+                                          <p:attrName>style.visibility</p:attrName>
+                                        </p:attrNameLst>
+                                      </p:cBhvr>
+                                      <p:to>
+                                        <p:strVal val="visible"/>
+                                      </p:to>
+                                    </p:set>
+                                  </p:childTnLst>
+                                </p:cTn>
+                              </p:par>
+                            </p:childTnLst>
+                          </p:cTn>
+                        </p:par>
+                      </p:childTnLst>
+                    </p:cTn>
+                  </p:par>
+                  <p:par>
+                    <p:cTn id="19" fill="hold">
+                      <p:stCondLst>
+                        <p:cond delay="indefinite"/>
+                      </p:stCondLst>
+                      <p:childTnLst>
+                        <p:par>
+                          <p:cTn id="20" fill="hold">
+                            <p:stCondLst>
+                              <p:cond delay="0"/>
+                            </p:stCondLst>
+                            <p:childTnLst>
+                              <p:par>
+                                <p:cTn id="21" presetID="1" presetClass="entr" presetSubtype="0" fill="hold" nodeType="clickEffect">
+                                  <p:stCondLst>
+                                    <p:cond delay="0"/>
+                                  </p:stCondLst>
+                                  <p:childTnLst>
+                                    <p:set>
+                                      <p:cBhvr>
+                                        <p:cTn id="22" dur="1" fill="hold">
+                                          <p:stCondLst>
+                                            <p:cond delay="0"/>
+                                          </p:stCondLst>
+                                        </p:cTn>
+                                        <p:tgtEl>
+                                          <p:spTgt spid="7">
+                                            <p:txEl>
+                                              <p:pRg st="4" end="4"/>
+                                            </p:txEl>
+                                          </p:spTgt>
+                                        </p:tgtEl>
+                                        <p:attrNameLst>
+                                          <p:attrName>style.visibility</p:attrName>
+                                        </p:attrNameLst>
+                                      </p:cBhvr>
+                                      <p:to>
+                                        <p:strVal val="visible"/>
+                                      </p:to>
+                                    </p:set>
+                                  </p:childTnLst>
+                                </p:cTn>
+                              </p:par>
+                            </p:childTnLst>
+                          </p:cTn>
+                        </p:par>
+                      </p:childTnLst>
+                    </p:cTn>
+                  </p:par>
+                </p:childTnLst>
+              </p:cTn>
+              <p:prevCondLst>
+                <p:cond evt="onPrev" delay="0">
+                  <p:tgtEl>
+                    <p:sldTgt/>
+                  </p:tgtEl>
+                </p:cond>
+              </p:prevCondLst>
+              <p:nextCondLst>
+                <p:cond evt="onNext" delay="0">
+                  <p:tgtEl>
+                    <p:sldTgt/>
+                  </p:tgtEl>
+                </p:cond>
+              </p:nextCondLst>
+            </p:seq>
+          </p:childTnLst>
+        </p:cTn>
       </p:par>
     </p:tnLst>
   </p:timing>
@@ -7483,7 +10459,120 @@
   <p:timing>
     <p:tnLst>
       <p:par>
-        <p:cTn id="1" dur="indefinite" restart="never" nodeType="tmRoot"/>
+        <p:cTn id="1" dur="indefinite" restart="never" nodeType="tmRoot">
+          <p:childTnLst>
+            <p:seq concurrent="1" nextAc="seek">
+              <p:cTn id="2" dur="indefinite" nodeType="mainSeq">
+                <p:childTnLst>
+                  <p:par>
+                    <p:cTn id="3" fill="hold">
+                      <p:stCondLst>
+                        <p:cond delay="indefinite"/>
+                      </p:stCondLst>
+                      <p:childTnLst>
+                        <p:par>
+                          <p:cTn id="4" fill="hold">
+                            <p:stCondLst>
+                              <p:cond delay="0"/>
+                            </p:stCondLst>
+                            <p:childTnLst>
+                              <p:par>
+                                <p:cTn id="5" presetID="1" presetClass="entr" presetSubtype="0" fill="hold" nodeType="clickEffect">
+                                  <p:stCondLst>
+                                    <p:cond delay="0"/>
+                                  </p:stCondLst>
+                                  <p:childTnLst>
+                                    <p:set>
+                                      <p:cBhvr>
+                                        <p:cTn id="6" dur="1" fill="hold">
+                                          <p:stCondLst>
+                                            <p:cond delay="0"/>
+                                          </p:stCondLst>
+                                        </p:cTn>
+                                        <p:tgtEl>
+                                          <p:spTgt spid="8"/>
+                                        </p:tgtEl>
+                                        <p:attrNameLst>
+                                          <p:attrName>style.visibility</p:attrName>
+                                        </p:attrNameLst>
+                                      </p:cBhvr>
+                                      <p:to>
+                                        <p:strVal val="visible"/>
+                                      </p:to>
+                                    </p:set>
+                                  </p:childTnLst>
+                                </p:cTn>
+                              </p:par>
+                            </p:childTnLst>
+                          </p:cTn>
+                        </p:par>
+                      </p:childTnLst>
+                    </p:cTn>
+                  </p:par>
+                  <p:par>
+                    <p:cTn id="7" fill="hold">
+                      <p:stCondLst>
+                        <p:cond delay="indefinite"/>
+                      </p:stCondLst>
+                      <p:childTnLst>
+                        <p:par>
+                          <p:cTn id="8" fill="hold">
+                            <p:stCondLst>
+                              <p:cond delay="0"/>
+                            </p:stCondLst>
+                            <p:childTnLst>
+                              <p:par>
+                                <p:cTn id="9" presetID="1" presetClass="entr" presetSubtype="0" fill="hold" nodeType="clickEffect">
+                                  <p:stCondLst>
+                                    <p:cond delay="0"/>
+                                  </p:stCondLst>
+                                  <p:childTnLst>
+                                    <p:set>
+                                      <p:cBhvr>
+                                        <p:cTn id="10" dur="1" fill="hold">
+                                          <p:stCondLst>
+                                            <p:cond delay="0"/>
+                                          </p:stCondLst>
+                                        </p:cTn>
+                                        <p:tgtEl>
+                                          <p:spTgt spid="11"/>
+                                        </p:tgtEl>
+                                        <p:attrNameLst>
+                                          <p:attrName>style.visibility</p:attrName>
+                                        </p:attrNameLst>
+                                      </p:cBhvr>
+                                      <p:to>
+                                        <p:strVal val="visible"/>
+                                      </p:to>
+                                    </p:set>
+                                  </p:childTnLst>
+                                </p:cTn>
+                              </p:par>
+                            </p:childTnLst>
+                          </p:cTn>
+                        </p:par>
+                      </p:childTnLst>
+                    </p:cTn>
+                  </p:par>
+                </p:childTnLst>
+              </p:cTn>
+              <p:prevCondLst>
+                <p:cond evt="onPrev" delay="0">
+                  <p:tgtEl>
+                    <p:sldTgt/>
+                  </p:tgtEl>
+                </p:cond>
+              </p:prevCondLst>
+              <p:nextCondLst>
+                <p:cond evt="onNext" delay="0">
+                  <p:tgtEl>
+                    <p:sldTgt/>
+                  </p:tgtEl>
+                </p:cond>
+              </p:nextCondLst>
+            </p:seq>
+          </p:childTnLst>
+        </p:cTn>
       </p:par>
     </p:tnLst>
   </p:timing>
@@ -7648,7 +10737,120 @@
   <p:timing>
     <p:tnLst>
       <p:par>
-        <p:cTn id="1" dur="indefinite" restart="never" nodeType="tmRoot"/>
+        <p:cTn id="1" dur="indefinite" restart="never" nodeType="tmRoot">
+          <p:childTnLst>
+            <p:seq concurrent="1" nextAc="seek">
+              <p:cTn id="2" dur="indefinite" nodeType="mainSeq">
+                <p:childTnLst>
+                  <p:par>
+                    <p:cTn id="3" fill="hold">
+                      <p:stCondLst>
+                        <p:cond delay="indefinite"/>
+                      </p:stCondLst>
+                      <p:childTnLst>
+                        <p:par>
+                          <p:cTn id="4" fill="hold">
+                            <p:stCondLst>
+                              <p:cond delay="0"/>
+                            </p:stCondLst>
+                            <p:childTnLst>
+                              <p:par>
+                                <p:cTn id="5" presetID="1" presetClass="entr" presetSubtype="0" fill="hold" nodeType="clickEffect">
+                                  <p:stCondLst>
+                                    <p:cond delay="0"/>
+                                  </p:stCondLst>
+                                  <p:childTnLst>
+                                    <p:set>
+                                      <p:cBhvr>
+                                        <p:cTn id="6" dur="1" fill="hold">
+                                          <p:stCondLst>
+                                            <p:cond delay="0"/>
+                                          </p:stCondLst>
+                                        </p:cTn>
+                                        <p:tgtEl>
+                                          <p:spTgt spid="7"/>
+                                        </p:tgtEl>
+                                        <p:attrNameLst>
+                                          <p:attrName>style.visibility</p:attrName>
+                                        </p:attrNameLst>
+                                      </p:cBhvr>
+                                      <p:to>
+                                        <p:strVal val="visible"/>
+                                      </p:to>
+                                    </p:set>
+                                  </p:childTnLst>
+                                </p:cTn>
+                              </p:par>
+                            </p:childTnLst>
+                          </p:cTn>
+                        </p:par>
+                      </p:childTnLst>
+                    </p:cTn>
+                  </p:par>
+                  <p:par>
+                    <p:cTn id="7" fill="hold">
+                      <p:stCondLst>
+                        <p:cond delay="indefinite"/>
+                      </p:stCondLst>
+                      <p:childTnLst>
+                        <p:par>
+                          <p:cTn id="8" fill="hold">
+                            <p:stCondLst>
+                              <p:cond delay="0"/>
+                            </p:stCondLst>
+                            <p:childTnLst>
+                              <p:par>
+                                <p:cTn id="9" presetID="1" presetClass="entr" presetSubtype="0" fill="hold" nodeType="clickEffect">
+                                  <p:stCondLst>
+                                    <p:cond delay="0"/>
+                                  </p:stCondLst>
+                                  <p:childTnLst>
+                                    <p:set>
+                                      <p:cBhvr>
+                                        <p:cTn id="10" dur="1" fill="hold">
+                                          <p:stCondLst>
+                                            <p:cond delay="0"/>
+                                          </p:stCondLst>
+                                        </p:cTn>
+                                        <p:tgtEl>
+                                          <p:spTgt spid="8"/>
+                                        </p:tgtEl>
+                                        <p:attrNameLst>
+                                          <p:attrName>style.visibility</p:attrName>
+                                        </p:attrNameLst>
+                                      </p:cBhvr>
+                                      <p:to>
+                                        <p:strVal val="visible"/>
+                                      </p:to>
+                                    </p:set>
+                                  </p:childTnLst>
+                                </p:cTn>
+                              </p:par>
+                            </p:childTnLst>
+                          </p:cTn>
+                        </p:par>
+                      </p:childTnLst>
+                    </p:cTn>
+                  </p:par>
+                </p:childTnLst>
+              </p:cTn>
+              <p:prevCondLst>
+                <p:cond evt="onPrev" delay="0">
+                  <p:tgtEl>
+                    <p:sldTgt/>
+                  </p:tgtEl>
+                </p:cond>
+              </p:prevCondLst>
+              <p:nextCondLst>
+                <p:cond evt="onNext" delay="0">
+                  <p:tgtEl>
+                    <p:sldTgt/>
+                  </p:tgtEl>
+                </p:cond>
+              </p:nextCondLst>
+            </p:seq>
+          </p:childTnLst>
+        </p:cTn>
       </p:par>
     </p:tnLst>
   </p:timing>
@@ -7784,8 +10986,8 @@
         </p:nvSpPr>
         <p:spPr>
           <a:xfrm>
-            <a:off x="7554995" y="2084832"/>
-            <a:ext cx="4256005" cy="1384995"/>
+            <a:off x="6221999" y="3107394"/>
+            <a:ext cx="5214825" cy="954107"/>
           </a:xfrm>
           <a:prstGeom prst="rect">
             <a:avLst/>
@@ -7800,7 +11002,15 @@
           <a:p>
             <a:r>
               <a:rPr lang="id-ID" sz="2800" dirty="0" smtClean="0"/>
-              <a:t>Bagaimana jika kita ingin bebek-bebek ini bisa terbang?</a:t>
+              <a:t>Bagaimana jika kita </a:t>
+            </a:r>
+            <a:r>
+              <a:rPr lang="id-ID" sz="2800" dirty="0" smtClean="0"/>
+              <a:t>menginginkan bebek-bebek </a:t>
+            </a:r>
+            <a:r>
+              <a:rPr lang="id-ID" sz="2800" dirty="0" smtClean="0"/>
+              <a:t>ini bisa terbang?</a:t>
             </a:r>
             <a:endParaRPr lang="id-ID" sz="2800" dirty="0"/>
           </a:p>
@@ -7819,9 +11029,133 @@
   <p:timing>
     <p:tnLst>
       <p:par>
-        <p:cTn id="1" dur="indefinite" restart="never" nodeType="tmRoot"/>
+        <p:cTn id="1" dur="indefinite" restart="never" nodeType="tmRoot">
+          <p:childTnLst>
+            <p:seq concurrent="1" nextAc="seek">
+              <p:cTn id="2" dur="indefinite" nodeType="mainSeq">
+                <p:childTnLst>
+                  <p:par>
+                    <p:cTn id="3" fill="hold">
+                      <p:stCondLst>
+                        <p:cond delay="indefinite"/>
+                      </p:stCondLst>
+                      <p:childTnLst>
+                        <p:par>
+                          <p:cTn id="4" fill="hold">
+                            <p:stCondLst>
+                              <p:cond delay="0"/>
+                            </p:stCondLst>
+                            <p:childTnLst>
+                              <p:par>
+                                <p:cTn id="5" presetID="1" presetClass="entr" presetSubtype="0" fill="hold" nodeType="clickEffect">
+                                  <p:stCondLst>
+                                    <p:cond delay="0"/>
+                                  </p:stCondLst>
+                                  <p:childTnLst>
+                                    <p:set>
+                                      <p:cBhvr>
+                                        <p:cTn id="6" dur="1" fill="hold">
+                                          <p:stCondLst>
+                                            <p:cond delay="0"/>
+                                          </p:stCondLst>
+                                        </p:cTn>
+                                        <p:tgtEl>
+                                          <p:spTgt spid="8"/>
+                                        </p:tgtEl>
+                                        <p:attrNameLst>
+                                          <p:attrName>style.visibility</p:attrName>
+                                        </p:attrNameLst>
+                                      </p:cBhvr>
+                                      <p:to>
+                                        <p:strVal val="visible"/>
+                                      </p:to>
+                                    </p:set>
+                                  </p:childTnLst>
+                                </p:cTn>
+                              </p:par>
+                            </p:childTnLst>
+                          </p:cTn>
+                        </p:par>
+                      </p:childTnLst>
+                    </p:cTn>
+                  </p:par>
+                  <p:par>
+                    <p:cTn id="7" fill="hold">
+                      <p:stCondLst>
+                        <p:cond delay="indefinite"/>
+                      </p:stCondLst>
+                      <p:childTnLst>
+                        <p:par>
+                          <p:cTn id="8" fill="hold">
+                            <p:stCondLst>
+                              <p:cond delay="0"/>
+                            </p:stCondLst>
+                            <p:childTnLst>
+                              <p:par>
+                                <p:cTn id="9" presetID="10" presetClass="entr" presetSubtype="0" fill="hold" grpId="0" nodeType="clickEffect">
+                                  <p:stCondLst>
+                                    <p:cond delay="0"/>
+                                  </p:stCondLst>
+                                  <p:childTnLst>
+                                    <p:set>
+                                      <p:cBhvr>
+                                        <p:cTn id="10" dur="1" fill="hold">
+                                          <p:stCondLst>
+                                            <p:cond delay="0"/>
+                                          </p:stCondLst>
+                                        </p:cTn>
+                                        <p:tgtEl>
+                                          <p:spTgt spid="9"/>
+                                        </p:tgtEl>
+                                        <p:attrNameLst>
+                                          <p:attrName>style.visibility</p:attrName>
+                                        </p:attrNameLst>
+                                      </p:cBhvr>
+                                      <p:to>
+                                        <p:strVal val="visible"/>
+                                      </p:to>
+                                    </p:set>
+                                    <p:animEffect transition="in" filter="fade">
+                                      <p:cBhvr>
+                                        <p:cTn id="11" dur="500"/>
+                                        <p:tgtEl>
+                                          <p:spTgt spid="9"/>
+                                        </p:tgtEl>
+                                      </p:cBhvr>
+                                    </p:animEffect>
+                                  </p:childTnLst>
+                                </p:cTn>
+                              </p:par>
+                            </p:childTnLst>
+                          </p:cTn>
+                        </p:par>
+                      </p:childTnLst>
+                    </p:cTn>
+                  </p:par>
+                </p:childTnLst>
+              </p:cTn>
+              <p:prevCondLst>
+                <p:cond evt="onPrev" delay="0">
+                  <p:tgtEl>
+                    <p:sldTgt/>
+                  </p:tgtEl>
+                </p:cond>
+              </p:prevCondLst>
+              <p:nextCondLst>
+                <p:cond evt="onNext" delay="0">
+                  <p:tgtEl>
+                    <p:sldTgt/>
+                  </p:tgtEl>
+                </p:cond>
+              </p:nextCondLst>
+            </p:seq>
+          </p:childTnLst>
+        </p:cTn>
       </p:par>
     </p:tnLst>
+    <p:bldLst>
+      <p:bldP spid="9" grpId="0"/>
+    </p:bldLst>
   </p:timing>
 </p:sld>
 </file>

--- a/PPT/Design Pattern 2 - Review OOP dan Pemanfaatannya di Design Pattern.pptx
+++ b/PPT/Design Pattern 2 - Review OOP dan Pemanfaatannya di Design Pattern.pptx
@@ -4056,24 +4056,14 @@
           <a:p>
             <a:r>
               <a:rPr lang="id-ID" sz="2400" dirty="0" smtClean="0"/>
-              <a:t>Method fly() ditambahkan di </a:t>
-            </a:r>
+              <a:t>Method fly() ditambahkan di superclass.</a:t>
+            </a:r>
+          </a:p>
+          <a:p>
             <a:r>
               <a:rPr lang="id-ID" sz="2400" dirty="0" smtClean="0"/>
-              <a:t>superclass.</a:t>
-            </a:r>
-            <a:endParaRPr lang="id-ID" sz="2400" dirty="0" smtClean="0"/>
-          </a:p>
-          <a:p>
-            <a:r>
-              <a:rPr lang="id-ID" sz="2400" dirty="0" smtClean="0"/>
-              <a:t>Otomatis subclass juga mendapatkan method yang </a:t>
-            </a:r>
-            <a:r>
-              <a:rPr lang="id-ID" sz="2400" dirty="0" smtClean="0"/>
-              <a:t>sama.</a:t>
-            </a:r>
-            <a:endParaRPr lang="id-ID" sz="2400" dirty="0" smtClean="0"/>
+              <a:t>Otomatis subclass juga mendapatkan method yang sama.</a:t>
+            </a:r>
           </a:p>
           <a:p>
             <a:endParaRPr lang="id-ID" sz="2400" dirty="0"/>
@@ -4541,6 +4531,47 @@
           </a:p>
         </p:txBody>
       </p:sp>
+      <p:pic>
+        <p:nvPicPr>
+          <p:cNvPr id="2050" name="Picture 2" descr="http://www.toyhalloffame.org/sites/www.toyhalloffame.org/files/toys/square/rubber-duck_0.jpg"/>
+          <p:cNvPicPr>
+            <a:picLocks noChangeAspect="1" noChangeArrowheads="1"/>
+          </p:cNvPicPr>
+          <p:nvPr/>
+        </p:nvPicPr>
+        <p:blipFill>
+          <a:blip r:embed="rId3" cstate="print">
+            <a:extLst>
+              <a:ext uri="{28A0092B-C50C-407E-A947-70E740481C1C}">
+                <a14:useLocalDpi xmlns:a14="http://schemas.microsoft.com/office/drawing/2010/main" val="0"/>
+              </a:ext>
+            </a:extLst>
+          </a:blip>
+          <a:srcRect/>
+          <a:stretch>
+            <a:fillRect/>
+          </a:stretch>
+        </p:blipFill>
+        <p:spPr bwMode="auto">
+          <a:xfrm>
+            <a:off x="5688209" y="3957939"/>
+            <a:ext cx="965626" cy="965626"/>
+          </a:xfrm>
+          <a:prstGeom prst="rect">
+            <a:avLst/>
+          </a:prstGeom>
+          <a:noFill/>
+          <a:extLst>
+            <a:ext uri="{909E8E84-426E-40DD-AFC4-6F175D3DCCD1}">
+              <a14:hiddenFill xmlns:a14="http://schemas.microsoft.com/office/drawing/2010/main">
+                <a:solidFill>
+                  <a:srgbClr val="FFFFFF"/>
+                </a:solidFill>
+              </a14:hiddenFill>
+            </a:ext>
+          </a:extLst>
+        </p:spPr>
+      </p:pic>
       <p:sp>
         <p:nvSpPr>
           <p:cNvPr id="8" name="Oval 7"/>
@@ -4801,30 +4832,74 @@
                             </p:childTnLst>
                           </p:cTn>
                         </p:par>
-                      </p:childTnLst>
-                    </p:cTn>
-                  </p:par>
-                  <p:par>
-                    <p:cTn id="7" fill="hold">
-                      <p:stCondLst>
-                        <p:cond delay="indefinite"/>
-                      </p:stCondLst>
-                      <p:childTnLst>
                         <p:par>
-                          <p:cTn id="8" fill="hold">
+                          <p:cTn id="7" fill="hold">
                             <p:stCondLst>
                               <p:cond delay="0"/>
                             </p:stCondLst>
                             <p:childTnLst>
                               <p:par>
-                                <p:cTn id="9" presetID="1" presetClass="entr" presetSubtype="0" fill="hold" grpId="0" nodeType="clickEffect">
+                                <p:cTn id="8" presetID="10" presetClass="entr" presetSubtype="0" fill="hold" nodeType="afterEffect">
                                   <p:stCondLst>
                                     <p:cond delay="0"/>
                                   </p:stCondLst>
                                   <p:childTnLst>
                                     <p:set>
                                       <p:cBhvr>
-                                        <p:cTn id="10" dur="1" fill="hold">
+                                        <p:cTn id="9" dur="1" fill="hold">
+                                          <p:stCondLst>
+                                            <p:cond delay="0"/>
+                                          </p:stCondLst>
+                                        </p:cTn>
+                                        <p:tgtEl>
+                                          <p:spTgt spid="2050"/>
+                                        </p:tgtEl>
+                                        <p:attrNameLst>
+                                          <p:attrName>style.visibility</p:attrName>
+                                        </p:attrNameLst>
+                                      </p:cBhvr>
+                                      <p:to>
+                                        <p:strVal val="visible"/>
+                                      </p:to>
+                                    </p:set>
+                                    <p:animEffect transition="in" filter="fade">
+                                      <p:cBhvr>
+                                        <p:cTn id="10" dur="500"/>
+                                        <p:tgtEl>
+                                          <p:spTgt spid="2050"/>
+                                        </p:tgtEl>
+                                      </p:cBhvr>
+                                    </p:animEffect>
+                                  </p:childTnLst>
+                                </p:cTn>
+                              </p:par>
+                            </p:childTnLst>
+                          </p:cTn>
+                        </p:par>
+                      </p:childTnLst>
+                    </p:cTn>
+                  </p:par>
+                  <p:par>
+                    <p:cTn id="11" fill="hold">
+                      <p:stCondLst>
+                        <p:cond delay="indefinite"/>
+                      </p:stCondLst>
+                      <p:childTnLst>
+                        <p:par>
+                          <p:cTn id="12" fill="hold">
+                            <p:stCondLst>
+                              <p:cond delay="0"/>
+                            </p:stCondLst>
+                            <p:childTnLst>
+                              <p:par>
+                                <p:cTn id="13" presetID="1" presetClass="entr" presetSubtype="0" fill="hold" grpId="0" nodeType="clickEffect">
+                                  <p:stCondLst>
+                                    <p:cond delay="0"/>
+                                  </p:stCondLst>
+                                  <p:childTnLst>
+                                    <p:set>
+                                      <p:cBhvr>
+                                        <p:cTn id="14" dur="1" fill="hold">
                                           <p:stCondLst>
                                             <p:cond delay="0"/>
                                           </p:stCondLst>
@@ -4844,14 +4919,14 @@
                                 </p:cTn>
                               </p:par>
                               <p:par>
-                                <p:cTn id="11" presetID="1" presetClass="entr" presetSubtype="0" fill="hold" nodeType="withEffect">
+                                <p:cTn id="15" presetID="1" presetClass="entr" presetSubtype="0" fill="hold" nodeType="withEffect">
                                   <p:stCondLst>
                                     <p:cond delay="0"/>
                                   </p:stCondLst>
                                   <p:childTnLst>
                                     <p:set>
                                       <p:cBhvr>
-                                        <p:cTn id="12" dur="1" fill="hold">
+                                        <p:cTn id="16" dur="1" fill="hold">
                                           <p:stCondLst>
                                             <p:cond delay="0"/>
                                           </p:stCondLst>
@@ -4871,14 +4946,14 @@
                                 </p:cTn>
                               </p:par>
                               <p:par>
-                                <p:cTn id="13" presetID="1" presetClass="entr" presetSubtype="0" fill="hold" grpId="0" nodeType="withEffect">
+                                <p:cTn id="17" presetID="1" presetClass="entr" presetSubtype="0" fill="hold" grpId="0" nodeType="withEffect">
                                   <p:stCondLst>
                                     <p:cond delay="0"/>
                                   </p:stCondLst>
                                   <p:childTnLst>
                                     <p:set>
                                       <p:cBhvr>
-                                        <p:cTn id="14" dur="1" fill="hold">
+                                        <p:cTn id="18" dur="1" fill="hold">
                                           <p:stCondLst>
                                             <p:cond delay="0"/>
                                           </p:stCondLst>
@@ -4904,26 +4979,26 @@
                     </p:cTn>
                   </p:par>
                   <p:par>
-                    <p:cTn id="15" fill="hold">
+                    <p:cTn id="19" fill="hold">
                       <p:stCondLst>
                         <p:cond delay="indefinite"/>
                       </p:stCondLst>
                       <p:childTnLst>
                         <p:par>
-                          <p:cTn id="16" fill="hold">
+                          <p:cTn id="20" fill="hold">
                             <p:stCondLst>
                               <p:cond delay="0"/>
                             </p:stCondLst>
                             <p:childTnLst>
                               <p:par>
-                                <p:cTn id="17" presetID="1" presetClass="entr" presetSubtype="0" fill="hold" grpId="0" nodeType="clickEffect">
+                                <p:cTn id="21" presetID="1" presetClass="entr" presetSubtype="0" fill="hold" grpId="0" nodeType="clickEffect">
                                   <p:stCondLst>
                                     <p:cond delay="0"/>
                                   </p:stCondLst>
                                   <p:childTnLst>
                                     <p:set>
                                       <p:cBhvr>
-                                        <p:cTn id="18" dur="1" fill="hold">
+                                        <p:cTn id="22" dur="1" fill="hold">
                                           <p:stCondLst>
                                             <p:cond delay="0"/>
                                           </p:stCondLst>
@@ -4943,14 +5018,14 @@
                                 </p:cTn>
                               </p:par>
                               <p:par>
-                                <p:cTn id="19" presetID="1" presetClass="entr" presetSubtype="0" fill="hold" nodeType="withEffect">
+                                <p:cTn id="23" presetID="1" presetClass="entr" presetSubtype="0" fill="hold" nodeType="withEffect">
                                   <p:stCondLst>
                                     <p:cond delay="0"/>
                                   </p:stCondLst>
                                   <p:childTnLst>
                                     <p:set>
                                       <p:cBhvr>
-                                        <p:cTn id="20" dur="1" fill="hold">
+                                        <p:cTn id="24" dur="1" fill="hold">
                                           <p:stCondLst>
                                             <p:cond delay="0"/>
                                           </p:stCondLst>
@@ -4970,14 +5045,14 @@
                                 </p:cTn>
                               </p:par>
                               <p:par>
-                                <p:cTn id="21" presetID="1" presetClass="entr" presetSubtype="0" fill="hold" grpId="0" nodeType="withEffect">
+                                <p:cTn id="25" presetID="1" presetClass="entr" presetSubtype="0" fill="hold" grpId="0" nodeType="withEffect">
                                   <p:stCondLst>
                                     <p:cond delay="0"/>
                                   </p:stCondLst>
                                   <p:childTnLst>
                                     <p:set>
                                       <p:cBhvr>
-                                        <p:cTn id="22" dur="1" fill="hold">
+                                        <p:cTn id="26" dur="1" fill="hold">
                                           <p:stCondLst>
                                             <p:cond delay="0"/>
                                           </p:stCondLst>
@@ -5521,6 +5596,47 @@
           </a:p>
         </p:txBody>
       </p:sp>
+      <p:pic>
+        <p:nvPicPr>
+          <p:cNvPr id="3074" name="Picture 2" descr="http://www.woodixtoys.com/files/images/Rolling%20duck.jpg"/>
+          <p:cNvPicPr>
+            <a:picLocks noChangeAspect="1" noChangeArrowheads="1"/>
+          </p:cNvPicPr>
+          <p:nvPr/>
+        </p:nvPicPr>
+        <p:blipFill>
+          <a:blip r:embed="rId3" cstate="print">
+            <a:extLst>
+              <a:ext uri="{28A0092B-C50C-407E-A947-70E740481C1C}">
+                <a14:useLocalDpi xmlns:a14="http://schemas.microsoft.com/office/drawing/2010/main" val="0"/>
+              </a:ext>
+            </a:extLst>
+          </a:blip>
+          <a:srcRect/>
+          <a:stretch>
+            <a:fillRect/>
+          </a:stretch>
+        </p:blipFill>
+        <p:spPr bwMode="auto">
+          <a:xfrm>
+            <a:off x="5875529" y="2938549"/>
+            <a:ext cx="1994611" cy="1329741"/>
+          </a:xfrm>
+          <a:prstGeom prst="rect">
+            <a:avLst/>
+          </a:prstGeom>
+          <a:noFill/>
+          <a:extLst>
+            <a:ext uri="{909E8E84-426E-40DD-AFC4-6F175D3DCCD1}">
+              <a14:hiddenFill xmlns:a14="http://schemas.microsoft.com/office/drawing/2010/main">
+                <a:solidFill>
+                  <a:srgbClr val="FFFFFF"/>
+                </a:solidFill>
+              </a14:hiddenFill>
+            </a:ext>
+          </a:extLst>
+        </p:spPr>
+      </p:pic>
       <p:sp>
         <p:nvSpPr>
           <p:cNvPr id="7" name="Oval 6"/>
@@ -5657,30 +5773,74 @@
                             </p:childTnLst>
                           </p:cTn>
                         </p:par>
-                      </p:childTnLst>
-                    </p:cTn>
-                  </p:par>
-                  <p:par>
-                    <p:cTn id="7" fill="hold">
-                      <p:stCondLst>
-                        <p:cond delay="indefinite"/>
-                      </p:stCondLst>
-                      <p:childTnLst>
                         <p:par>
-                          <p:cTn id="8" fill="hold">
+                          <p:cTn id="7" fill="hold">
                             <p:stCondLst>
                               <p:cond delay="0"/>
                             </p:stCondLst>
                             <p:childTnLst>
                               <p:par>
-                                <p:cTn id="9" presetID="21" presetClass="entr" presetSubtype="1" fill="hold" grpId="0" nodeType="clickEffect">
+                                <p:cTn id="8" presetID="10" presetClass="entr" presetSubtype="0" fill="hold" nodeType="afterEffect">
                                   <p:stCondLst>
                                     <p:cond delay="0"/>
                                   </p:stCondLst>
                                   <p:childTnLst>
                                     <p:set>
                                       <p:cBhvr>
-                                        <p:cTn id="10" dur="1" fill="hold">
+                                        <p:cTn id="9" dur="1" fill="hold">
+                                          <p:stCondLst>
+                                            <p:cond delay="0"/>
+                                          </p:stCondLst>
+                                        </p:cTn>
+                                        <p:tgtEl>
+                                          <p:spTgt spid="3074"/>
+                                        </p:tgtEl>
+                                        <p:attrNameLst>
+                                          <p:attrName>style.visibility</p:attrName>
+                                        </p:attrNameLst>
+                                      </p:cBhvr>
+                                      <p:to>
+                                        <p:strVal val="visible"/>
+                                      </p:to>
+                                    </p:set>
+                                    <p:animEffect transition="in" filter="fade">
+                                      <p:cBhvr>
+                                        <p:cTn id="10" dur="500"/>
+                                        <p:tgtEl>
+                                          <p:spTgt spid="3074"/>
+                                        </p:tgtEl>
+                                      </p:cBhvr>
+                                    </p:animEffect>
+                                  </p:childTnLst>
+                                </p:cTn>
+                              </p:par>
+                            </p:childTnLst>
+                          </p:cTn>
+                        </p:par>
+                      </p:childTnLst>
+                    </p:cTn>
+                  </p:par>
+                  <p:par>
+                    <p:cTn id="11" fill="hold">
+                      <p:stCondLst>
+                        <p:cond delay="indefinite"/>
+                      </p:stCondLst>
+                      <p:childTnLst>
+                        <p:par>
+                          <p:cTn id="12" fill="hold">
+                            <p:stCondLst>
+                              <p:cond delay="0"/>
+                            </p:stCondLst>
+                            <p:childTnLst>
+                              <p:par>
+                                <p:cTn id="13" presetID="21" presetClass="entr" presetSubtype="1" fill="hold" grpId="0" nodeType="clickEffect">
+                                  <p:stCondLst>
+                                    <p:cond delay="0"/>
+                                  </p:stCondLst>
+                                  <p:childTnLst>
+                                    <p:set>
+                                      <p:cBhvr>
+                                        <p:cTn id="14" dur="1" fill="hold">
                                           <p:stCondLst>
                                             <p:cond delay="0"/>
                                           </p:stCondLst>
@@ -5698,7 +5858,7 @@
                                     </p:set>
                                     <p:animEffect transition="in" filter="wheel(1)">
                                       <p:cBhvr>
-                                        <p:cTn id="11" dur="750"/>
+                                        <p:cTn id="15" dur="750"/>
                                         <p:tgtEl>
                                           <p:spTgt spid="7"/>
                                         </p:tgtEl>
@@ -5711,20 +5871,20 @@
                           </p:cTn>
                         </p:par>
                         <p:par>
-                          <p:cTn id="12" fill="hold">
+                          <p:cTn id="16" fill="hold">
                             <p:stCondLst>
                               <p:cond delay="750"/>
                             </p:stCondLst>
                             <p:childTnLst>
                               <p:par>
-                                <p:cTn id="13" presetID="1" presetClass="entr" presetSubtype="0" fill="hold" grpId="0" nodeType="afterEffect">
+                                <p:cTn id="17" presetID="1" presetClass="entr" presetSubtype="0" fill="hold" grpId="0" nodeType="afterEffect">
                                   <p:stCondLst>
                                     <p:cond delay="0"/>
                                   </p:stCondLst>
                                   <p:childTnLst>
                                     <p:set>
                                       <p:cBhvr>
-                                        <p:cTn id="14" dur="1" fill="hold">
+                                        <p:cTn id="18" dur="1" fill="hold">
                                           <p:stCondLst>
                                             <p:cond delay="0"/>
                                           </p:stCondLst>
@@ -10927,7 +11087,7 @@
         </p:blipFill>
         <p:spPr>
           <a:xfrm>
-            <a:off x="1662469" y="2084832"/>
+            <a:off x="2003665" y="2084832"/>
             <a:ext cx="4672190" cy="4349700"/>
           </a:xfrm>
         </p:spPr>
@@ -10986,7 +11146,7 @@
         </p:nvSpPr>
         <p:spPr>
           <a:xfrm>
-            <a:off x="6221999" y="3107394"/>
+            <a:off x="6563195" y="3107394"/>
             <a:ext cx="5214825" cy="954107"/>
           </a:xfrm>
           <a:prstGeom prst="rect">
@@ -11002,20 +11162,124 @@
           <a:p>
             <a:r>
               <a:rPr lang="id-ID" sz="2800" dirty="0" smtClean="0"/>
-              <a:t>Bagaimana jika kita </a:t>
-            </a:r>
-            <a:r>
-              <a:rPr lang="id-ID" sz="2800" dirty="0" smtClean="0"/>
-              <a:t>menginginkan bebek-bebek </a:t>
-            </a:r>
-            <a:r>
-              <a:rPr lang="id-ID" sz="2800" dirty="0" smtClean="0"/>
-              <a:t>ini bisa terbang?</a:t>
+              <a:t>Bagaimana jika kita menginginkan bebek-bebek ini bisa terbang?</a:t>
             </a:r>
             <a:endParaRPr lang="id-ID" sz="2800" dirty="0"/>
           </a:p>
         </p:txBody>
       </p:sp>
+      <p:pic>
+        <p:nvPicPr>
+          <p:cNvPr id="1026" name="Picture 2" descr="http://www.publicdomainpictures.net/pictures/80000/velka/duck-black-silhouette.jpg"/>
+          <p:cNvPicPr>
+            <a:picLocks noChangeAspect="1" noChangeArrowheads="1"/>
+          </p:cNvPicPr>
+          <p:nvPr/>
+        </p:nvPicPr>
+        <p:blipFill>
+          <a:blip r:embed="rId3" cstate="print">
+            <a:extLst>
+              <a:ext uri="{28A0092B-C50C-407E-A947-70E740481C1C}">
+                <a14:useLocalDpi xmlns:a14="http://schemas.microsoft.com/office/drawing/2010/main" val="0"/>
+              </a:ext>
+            </a:extLst>
+          </a:blip>
+          <a:srcRect/>
+          <a:stretch>
+            <a:fillRect/>
+          </a:stretch>
+        </p:blipFill>
+        <p:spPr bwMode="auto">
+          <a:xfrm>
+            <a:off x="2227072" y="2497572"/>
+            <a:ext cx="1080000" cy="1080000"/>
+          </a:xfrm>
+          <a:prstGeom prst="rect">
+            <a:avLst/>
+          </a:prstGeom>
+          <a:noFill/>
+          <a:extLst>
+            <a:ext uri="{909E8E84-426E-40DD-AFC4-6F175D3DCCD1}">
+              <a14:hiddenFill xmlns:a14="http://schemas.microsoft.com/office/drawing/2010/main">
+                <a:solidFill>
+                  <a:srgbClr val="FFFFFF"/>
+                </a:solidFill>
+              </a14:hiddenFill>
+            </a:ext>
+          </a:extLst>
+        </p:spPr>
+      </p:pic>
+      <p:pic>
+        <p:nvPicPr>
+          <p:cNvPr id="3" name="Picture 2"/>
+          <p:cNvPicPr>
+            <a:picLocks noChangeAspect="1"/>
+          </p:cNvPicPr>
+          <p:nvPr/>
+        </p:nvPicPr>
+        <p:blipFill>
+          <a:blip r:embed="rId4" cstate="print">
+            <a:extLst>
+              <a:ext uri="{28A0092B-C50C-407E-A947-70E740481C1C}">
+                <a14:useLocalDpi xmlns:a14="http://schemas.microsoft.com/office/drawing/2010/main" val="0"/>
+              </a:ext>
+            </a:extLst>
+          </a:blip>
+          <a:stretch>
+            <a:fillRect/>
+          </a:stretch>
+        </p:blipFill>
+        <p:spPr>
+          <a:xfrm>
+            <a:off x="493950" y="5265262"/>
+            <a:ext cx="1606267" cy="903525"/>
+          </a:xfrm>
+          <a:prstGeom prst="rect">
+            <a:avLst/>
+          </a:prstGeom>
+        </p:spPr>
+      </p:pic>
+      <p:pic>
+        <p:nvPicPr>
+          <p:cNvPr id="1028" name="Picture 4" descr="https://icons.wxug.com/data/wximagenew/w/wyyooper/8.jpg"/>
+          <p:cNvPicPr>
+            <a:picLocks noChangeAspect="1" noChangeArrowheads="1"/>
+          </p:cNvPicPr>
+          <p:nvPr/>
+        </p:nvPicPr>
+        <p:blipFill>
+          <a:blip r:embed="rId5" cstate="print">
+            <a:extLst>
+              <a:ext uri="{28A0092B-C50C-407E-A947-70E740481C1C}">
+                <a14:useLocalDpi xmlns:a14="http://schemas.microsoft.com/office/drawing/2010/main" val="0"/>
+              </a:ext>
+            </a:extLst>
+          </a:blip>
+          <a:srcRect/>
+          <a:stretch>
+            <a:fillRect/>
+          </a:stretch>
+        </p:blipFill>
+        <p:spPr bwMode="auto">
+          <a:xfrm>
+            <a:off x="6675855" y="5265262"/>
+            <a:ext cx="1408643" cy="939829"/>
+          </a:xfrm>
+          <a:prstGeom prst="rect">
+            <a:avLst/>
+          </a:prstGeom>
+          <a:noFill/>
+          <a:extLst>
+            <a:ext uri="{909E8E84-426E-40DD-AFC4-6F175D3DCCD1}">
+              <a14:hiddenFill xmlns:a14="http://schemas.microsoft.com/office/drawing/2010/main">
+                <a:solidFill>
+                  <a:srgbClr val="FFFFFF"/>
+                </a:solidFill>
+              </a14:hiddenFill>
+            </a:ext>
+          </a:extLst>
+        </p:spPr>
+      </p:pic>
     </p:spTree>
     <p:extLst>
       <p:ext uri="{BB962C8B-B14F-4D97-AF65-F5344CB8AC3E}">
@@ -11076,30 +11340,162 @@
                             </p:childTnLst>
                           </p:cTn>
                         </p:par>
-                      </p:childTnLst>
-                    </p:cTn>
-                  </p:par>
-                  <p:par>
-                    <p:cTn id="7" fill="hold">
-                      <p:stCondLst>
-                        <p:cond delay="indefinite"/>
-                      </p:stCondLst>
-                      <p:childTnLst>
                         <p:par>
-                          <p:cTn id="8" fill="hold">
+                          <p:cTn id="7" fill="hold">
                             <p:stCondLst>
                               <p:cond delay="0"/>
                             </p:stCondLst>
                             <p:childTnLst>
                               <p:par>
-                                <p:cTn id="9" presetID="10" presetClass="entr" presetSubtype="0" fill="hold" grpId="0" nodeType="clickEffect">
+                                <p:cTn id="8" presetID="10" presetClass="entr" presetSubtype="0" fill="hold" nodeType="afterEffect">
                                   <p:stCondLst>
                                     <p:cond delay="0"/>
                                   </p:stCondLst>
                                   <p:childTnLst>
                                     <p:set>
                                       <p:cBhvr>
-                                        <p:cTn id="10" dur="1" fill="hold">
+                                        <p:cTn id="9" dur="1" fill="hold">
+                                          <p:stCondLst>
+                                            <p:cond delay="0"/>
+                                          </p:stCondLst>
+                                        </p:cTn>
+                                        <p:tgtEl>
+                                          <p:spTgt spid="1026"/>
+                                        </p:tgtEl>
+                                        <p:attrNameLst>
+                                          <p:attrName>style.visibility</p:attrName>
+                                        </p:attrNameLst>
+                                      </p:cBhvr>
+                                      <p:to>
+                                        <p:strVal val="visible"/>
+                                      </p:to>
+                                    </p:set>
+                                    <p:animEffect transition="in" filter="fade">
+                                      <p:cBhvr>
+                                        <p:cTn id="10" dur="500"/>
+                                        <p:tgtEl>
+                                          <p:spTgt spid="1026"/>
+                                        </p:tgtEl>
+                                      </p:cBhvr>
+                                    </p:animEffect>
+                                  </p:childTnLst>
+                                </p:cTn>
+                              </p:par>
+                            </p:childTnLst>
+                          </p:cTn>
+                        </p:par>
+                        <p:par>
+                          <p:cTn id="11" fill="hold">
+                            <p:stCondLst>
+                              <p:cond delay="500"/>
+                            </p:stCondLst>
+                            <p:childTnLst>
+                              <p:par>
+                                <p:cTn id="12" presetID="10" presetClass="entr" presetSubtype="0" fill="hold" nodeType="afterEffect">
+                                  <p:stCondLst>
+                                    <p:cond delay="0"/>
+                                  </p:stCondLst>
+                                  <p:childTnLst>
+                                    <p:set>
+                                      <p:cBhvr>
+                                        <p:cTn id="13" dur="1" fill="hold">
+                                          <p:stCondLst>
+                                            <p:cond delay="0"/>
+                                          </p:stCondLst>
+                                        </p:cTn>
+                                        <p:tgtEl>
+                                          <p:spTgt spid="3"/>
+                                        </p:tgtEl>
+                                        <p:attrNameLst>
+                                          <p:attrName>style.visibility</p:attrName>
+                                        </p:attrNameLst>
+                                      </p:cBhvr>
+                                      <p:to>
+                                        <p:strVal val="visible"/>
+                                      </p:to>
+                                    </p:set>
+                                    <p:animEffect transition="in" filter="fade">
+                                      <p:cBhvr>
+                                        <p:cTn id="14" dur="500"/>
+                                        <p:tgtEl>
+                                          <p:spTgt spid="3"/>
+                                        </p:tgtEl>
+                                      </p:cBhvr>
+                                    </p:animEffect>
+                                  </p:childTnLst>
+                                </p:cTn>
+                              </p:par>
+                            </p:childTnLst>
+                          </p:cTn>
+                        </p:par>
+                        <p:par>
+                          <p:cTn id="15" fill="hold">
+                            <p:stCondLst>
+                              <p:cond delay="1000"/>
+                            </p:stCondLst>
+                            <p:childTnLst>
+                              <p:par>
+                                <p:cTn id="16" presetID="10" presetClass="entr" presetSubtype="0" fill="hold" nodeType="afterEffect">
+                                  <p:stCondLst>
+                                    <p:cond delay="0"/>
+                                  </p:stCondLst>
+                                  <p:childTnLst>
+                                    <p:set>
+                                      <p:cBhvr>
+                                        <p:cTn id="17" dur="1" fill="hold">
+                                          <p:stCondLst>
+                                            <p:cond delay="0"/>
+                                          </p:stCondLst>
+                                        </p:cTn>
+                                        <p:tgtEl>
+                                          <p:spTgt spid="1028"/>
+                                        </p:tgtEl>
+                                        <p:attrNameLst>
+                                          <p:attrName>style.visibility</p:attrName>
+                                        </p:attrNameLst>
+                                      </p:cBhvr>
+                                      <p:to>
+                                        <p:strVal val="visible"/>
+                                      </p:to>
+                                    </p:set>
+                                    <p:animEffect transition="in" filter="fade">
+                                      <p:cBhvr>
+                                        <p:cTn id="18" dur="500"/>
+                                        <p:tgtEl>
+                                          <p:spTgt spid="1028"/>
+                                        </p:tgtEl>
+                                      </p:cBhvr>
+                                    </p:animEffect>
+                                  </p:childTnLst>
+                                </p:cTn>
+                              </p:par>
+                            </p:childTnLst>
+                          </p:cTn>
+                        </p:par>
+                      </p:childTnLst>
+                    </p:cTn>
+                  </p:par>
+                  <p:par>
+                    <p:cTn id="19" fill="hold">
+                      <p:stCondLst>
+                        <p:cond delay="indefinite"/>
+                      </p:stCondLst>
+                      <p:childTnLst>
+                        <p:par>
+                          <p:cTn id="20" fill="hold">
+                            <p:stCondLst>
+                              <p:cond delay="0"/>
+                            </p:stCondLst>
+                            <p:childTnLst>
+                              <p:par>
+                                <p:cTn id="21" presetID="10" presetClass="entr" presetSubtype="0" fill="hold" grpId="0" nodeType="clickEffect">
+                                  <p:stCondLst>
+                                    <p:cond delay="0"/>
+                                  </p:stCondLst>
+                                  <p:childTnLst>
+                                    <p:set>
+                                      <p:cBhvr>
+                                        <p:cTn id="22" dur="1" fill="hold">
                                           <p:stCondLst>
                                             <p:cond delay="0"/>
                                           </p:stCondLst>
@@ -11117,7 +11513,7 @@
                                     </p:set>
                                     <p:animEffect transition="in" filter="fade">
                                       <p:cBhvr>
-                                        <p:cTn id="11" dur="500"/>
+                                        <p:cTn id="23" dur="500"/>
                                         <p:tgtEl>
                                           <p:spTgt spid="9"/>
                                         </p:tgtEl>
